--- a/CPSC-24700/Presentations/Session-01.pptx
+++ b/CPSC-24700/Presentations/Session-01.pptx
@@ -5,35 +5,36 @@
     <p:sldMasterId id="2147483648" r:id="rId1"/>
   </p:sldMasterIdLst>
   <p:notesMasterIdLst>
-    <p:notesMasterId r:id="rId28"/>
+    <p:notesMasterId r:id="rId29"/>
   </p:notesMasterIdLst>
   <p:sldIdLst>
     <p:sldId id="257" r:id="rId2"/>
     <p:sldId id="259" r:id="rId3"/>
-    <p:sldId id="264" r:id="rId4"/>
-    <p:sldId id="265" r:id="rId5"/>
-    <p:sldId id="266" r:id="rId6"/>
+    <p:sldId id="287" r:id="rId4"/>
+    <p:sldId id="264" r:id="rId5"/>
+    <p:sldId id="265" r:id="rId6"/>
     <p:sldId id="267" r:id="rId7"/>
     <p:sldId id="285" r:id="rId8"/>
-    <p:sldId id="268" r:id="rId9"/>
-    <p:sldId id="269" r:id="rId10"/>
-    <p:sldId id="270" r:id="rId11"/>
-    <p:sldId id="271" r:id="rId12"/>
-    <p:sldId id="272" r:id="rId13"/>
-    <p:sldId id="275" r:id="rId14"/>
-    <p:sldId id="276" r:id="rId15"/>
-    <p:sldId id="277" r:id="rId16"/>
-    <p:sldId id="278" r:id="rId17"/>
-    <p:sldId id="279" r:id="rId18"/>
-    <p:sldId id="280" r:id="rId19"/>
-    <p:sldId id="281" r:id="rId20"/>
-    <p:sldId id="283" r:id="rId21"/>
-    <p:sldId id="282" r:id="rId22"/>
-    <p:sldId id="263" r:id="rId23"/>
-    <p:sldId id="274" r:id="rId24"/>
-    <p:sldId id="261" r:id="rId25"/>
-    <p:sldId id="262" r:id="rId26"/>
-    <p:sldId id="260" r:id="rId27"/>
+    <p:sldId id="286" r:id="rId9"/>
+    <p:sldId id="268" r:id="rId10"/>
+    <p:sldId id="269" r:id="rId11"/>
+    <p:sldId id="270" r:id="rId12"/>
+    <p:sldId id="271" r:id="rId13"/>
+    <p:sldId id="272" r:id="rId14"/>
+    <p:sldId id="275" r:id="rId15"/>
+    <p:sldId id="276" r:id="rId16"/>
+    <p:sldId id="277" r:id="rId17"/>
+    <p:sldId id="278" r:id="rId18"/>
+    <p:sldId id="279" r:id="rId19"/>
+    <p:sldId id="280" r:id="rId20"/>
+    <p:sldId id="281" r:id="rId21"/>
+    <p:sldId id="283" r:id="rId22"/>
+    <p:sldId id="282" r:id="rId23"/>
+    <p:sldId id="263" r:id="rId24"/>
+    <p:sldId id="274" r:id="rId25"/>
+    <p:sldId id="261" r:id="rId26"/>
+    <p:sldId id="262" r:id="rId27"/>
+    <p:sldId id="260" r:id="rId28"/>
   </p:sldIdLst>
   <p:sldSz cx="12192000" cy="6858000"/>
   <p:notesSz cx="7315200" cy="9601200"/>
@@ -226,7 +227,7 @@
           <a:p>
             <a:fld id="{1CF91C02-A59E-4778-8D4F-4840DBBEFA68}" type="datetimeFigureOut">
               <a:rPr lang="en-US" smtClean="0"/>
-              <a:t>8/25/2017</a:t>
+              <a:t>8/28/2017</a:t>
             </a:fld>
             <a:endParaRPr lang="en-US"/>
           </a:p>
@@ -624,7 +625,10 @@
           <a:bodyPr/>
           <a:lstStyle/>
           <a:p>
-            <a:endParaRPr lang="en-US" dirty="0"/>
+            <a:r>
+              <a:rPr lang="en-US" dirty="0"/>
+              <a:t>It’s time for your introductions. Feel free to share as much or as little as you would like.</a:t>
+            </a:r>
           </a:p>
         </p:txBody>
       </p:sp>
@@ -654,7 +658,7 @@
     </p:spTree>
     <p:extLst>
       <p:ext uri="{BB962C8B-B14F-4D97-AF65-F5344CB8AC3E}">
-        <p14:creationId xmlns:p14="http://schemas.microsoft.com/office/powerpoint/2010/main" val="1403464184"/>
+        <p14:creationId xmlns:p14="http://schemas.microsoft.com/office/powerpoint/2010/main" val="2689188702"/>
       </p:ext>
     </p:extLst>
   </p:cSld>
@@ -738,7 +742,7 @@
     </p:spTree>
     <p:extLst>
       <p:ext uri="{BB962C8B-B14F-4D97-AF65-F5344CB8AC3E}">
-        <p14:creationId xmlns:p14="http://schemas.microsoft.com/office/powerpoint/2010/main" val="1487105061"/>
+        <p14:creationId xmlns:p14="http://schemas.microsoft.com/office/powerpoint/2010/main" val="1403464184"/>
       </p:ext>
     </p:extLst>
   </p:cSld>
@@ -792,16 +796,7 @@
           <a:bodyPr/>
           <a:lstStyle/>
           <a:p>
-            <a:r>
-              <a:rPr lang="en-US" dirty="0"/>
-              <a:t>Time check… we need to start our  Wrap-up at 2:45.</a:t>
-            </a:r>
-          </a:p>
-          <a:p>
-            <a:r>
-              <a:rPr lang="en-US" dirty="0"/>
-              <a:t>Why have I changed the “Worldwide Web” to the “Internet”? By the end of this class it is your responsibility to know the difference.</a:t>
-            </a:r>
+            <a:endParaRPr lang="en-US" dirty="0"/>
           </a:p>
         </p:txBody>
       </p:sp>
@@ -820,18 +815,18 @@
           <a:bodyPr/>
           <a:lstStyle/>
           <a:p>
-            <a:fld id="{5394DE12-7B9B-46AA-AC19-C30A49928B9B}" type="slidenum">
+            <a:fld id="{23B99BB9-C7F6-43B3-A122-46088ABB36FB}" type="slidenum">
               <a:rPr lang="en-US" smtClean="0"/>
               <a:t>17</a:t>
             </a:fld>
-            <a:endParaRPr lang="en-US" dirty="0"/>
+            <a:endParaRPr lang="en-US"/>
           </a:p>
         </p:txBody>
       </p:sp>
     </p:spTree>
     <p:extLst>
       <p:ext uri="{BB962C8B-B14F-4D97-AF65-F5344CB8AC3E}">
-        <p14:creationId xmlns:p14="http://schemas.microsoft.com/office/powerpoint/2010/main" val="2663346699"/>
+        <p14:creationId xmlns:p14="http://schemas.microsoft.com/office/powerpoint/2010/main" val="1487105061"/>
       </p:ext>
     </p:extLst>
   </p:cSld>
@@ -887,7 +882,13 @@
           <a:p>
             <a:r>
               <a:rPr lang="en-US" dirty="0"/>
-              <a:t>*Your opportunity to give introductions will come after the syllabus review.</a:t>
+              <a:t>Time check… we need to start our  Wrap-up at 2:45.</a:t>
+            </a:r>
+          </a:p>
+          <a:p>
+            <a:r>
+              <a:rPr lang="en-US" dirty="0"/>
+              <a:t>Why have I changed the “Worldwide Web” to the “Internet”? By the end of this class it is your responsibility to know the difference.</a:t>
             </a:r>
           </a:p>
         </p:txBody>
@@ -907,18 +908,18 @@
           <a:bodyPr/>
           <a:lstStyle/>
           <a:p>
-            <a:fld id="{23B99BB9-C7F6-43B3-A122-46088ABB36FB}" type="slidenum">
+            <a:fld id="{5394DE12-7B9B-46AA-AC19-C30A49928B9B}" type="slidenum">
               <a:rPr lang="en-US" smtClean="0"/>
               <a:t>18</a:t>
             </a:fld>
-            <a:endParaRPr lang="en-US"/>
+            <a:endParaRPr lang="en-US" dirty="0"/>
           </a:p>
         </p:txBody>
       </p:sp>
     </p:spTree>
     <p:extLst>
       <p:ext uri="{BB962C8B-B14F-4D97-AF65-F5344CB8AC3E}">
-        <p14:creationId xmlns:p14="http://schemas.microsoft.com/office/powerpoint/2010/main" val="1435556777"/>
+        <p14:creationId xmlns:p14="http://schemas.microsoft.com/office/powerpoint/2010/main" val="2663346699"/>
       </p:ext>
     </p:extLst>
   </p:cSld>
@@ -972,7 +973,10 @@
           <a:bodyPr/>
           <a:lstStyle/>
           <a:p>
-            <a:endParaRPr lang="en-US" dirty="0"/>
+            <a:r>
+              <a:rPr lang="en-US" dirty="0"/>
+              <a:t>*Your opportunity to give introductions will come after the syllabus review.</a:t>
+            </a:r>
           </a:p>
         </p:txBody>
       </p:sp>
@@ -991,18 +995,18 @@
           <a:bodyPr/>
           <a:lstStyle/>
           <a:p>
-            <a:fld id="{5394DE12-7B9B-46AA-AC19-C30A49928B9B}" type="slidenum">
+            <a:fld id="{23B99BB9-C7F6-43B3-A122-46088ABB36FB}" type="slidenum">
               <a:rPr lang="en-US" smtClean="0"/>
-              <a:t>21</a:t>
+              <a:t>19</a:t>
             </a:fld>
-            <a:endParaRPr lang="en-US" dirty="0"/>
+            <a:endParaRPr lang="en-US"/>
           </a:p>
         </p:txBody>
       </p:sp>
     </p:spTree>
     <p:extLst>
       <p:ext uri="{BB962C8B-B14F-4D97-AF65-F5344CB8AC3E}">
-        <p14:creationId xmlns:p14="http://schemas.microsoft.com/office/powerpoint/2010/main" val="1961945529"/>
+        <p14:creationId xmlns:p14="http://schemas.microsoft.com/office/powerpoint/2010/main" val="1435556777"/>
       </p:ext>
     </p:extLst>
   </p:cSld>
@@ -1078,6 +1082,90 @@
             <a:fld id="{5394DE12-7B9B-46AA-AC19-C30A49928B9B}" type="slidenum">
               <a:rPr lang="en-US" smtClean="0"/>
               <a:t>22</a:t>
+            </a:fld>
+            <a:endParaRPr lang="en-US" dirty="0"/>
+          </a:p>
+        </p:txBody>
+      </p:sp>
+    </p:spTree>
+    <p:extLst>
+      <p:ext uri="{BB962C8B-B14F-4D97-AF65-F5344CB8AC3E}">
+        <p14:creationId xmlns:p14="http://schemas.microsoft.com/office/powerpoint/2010/main" val="1961945529"/>
+      </p:ext>
+    </p:extLst>
+  </p:cSld>
+  <p:clrMapOvr>
+    <a:masterClrMapping/>
+  </p:clrMapOvr>
+</p:notes>
+</file>
+
+<file path=ppt/notesSlides/notesSlide16.xml><?xml version="1.0" encoding="utf-8"?>
+<p:notes xmlns:a="http://schemas.openxmlformats.org/drawingml/2006/main" xmlns:r="http://schemas.openxmlformats.org/officeDocument/2006/relationships" xmlns:p="http://schemas.openxmlformats.org/presentationml/2006/main">
+  <p:cSld>
+    <p:spTree>
+      <p:nvGrpSpPr>
+        <p:cNvPr id="1" name=""/>
+        <p:cNvGrpSpPr/>
+        <p:nvPr/>
+      </p:nvGrpSpPr>
+      <p:grpSpPr>
+        <a:xfrm>
+          <a:off x="0" y="0"/>
+          <a:ext cx="0" cy="0"/>
+          <a:chOff x="0" y="0"/>
+          <a:chExt cx="0" cy="0"/>
+        </a:xfrm>
+      </p:grpSpPr>
+      <p:sp>
+        <p:nvSpPr>
+          <p:cNvPr id="2" name="Slide Image Placeholder 1"/>
+          <p:cNvSpPr>
+            <a:spLocks noGrp="1" noRot="1" noChangeAspect="1"/>
+          </p:cNvSpPr>
+          <p:nvPr>
+            <p:ph type="sldImg"/>
+          </p:nvPr>
+        </p:nvSpPr>
+        <p:spPr/>
+      </p:sp>
+      <p:sp>
+        <p:nvSpPr>
+          <p:cNvPr id="3" name="Notes Placeholder 2"/>
+          <p:cNvSpPr>
+            <a:spLocks noGrp="1"/>
+          </p:cNvSpPr>
+          <p:nvPr>
+            <p:ph type="body" idx="1"/>
+          </p:nvPr>
+        </p:nvSpPr>
+        <p:spPr/>
+        <p:txBody>
+          <a:bodyPr/>
+          <a:lstStyle/>
+          <a:p>
+            <a:endParaRPr lang="en-US" dirty="0"/>
+          </a:p>
+        </p:txBody>
+      </p:sp>
+      <p:sp>
+        <p:nvSpPr>
+          <p:cNvPr id="4" name="Slide Number Placeholder 3"/>
+          <p:cNvSpPr>
+            <a:spLocks noGrp="1"/>
+          </p:cNvSpPr>
+          <p:nvPr>
+            <p:ph type="sldNum" sz="quarter" idx="10"/>
+          </p:nvPr>
+        </p:nvSpPr>
+        <p:spPr/>
+        <p:txBody>
+          <a:bodyPr/>
+          <a:lstStyle/>
+          <a:p>
+            <a:fld id="{5394DE12-7B9B-46AA-AC19-C30A49928B9B}" type="slidenum">
+              <a:rPr lang="en-US" smtClean="0"/>
+              <a:t>23</a:t>
             </a:fld>
             <a:endParaRPr lang="en-US" dirty="0"/>
           </a:p>
@@ -1224,10 +1312,7 @@
           <a:bodyPr/>
           <a:lstStyle/>
           <a:p>
-            <a:r>
-              <a:rPr lang="en-US" dirty="0"/>
-              <a:t>Remind me to tell you a story about Bob Parsons who I worked for at Parsons Technology when we get to the section on DNS… Domain Name Services</a:t>
-            </a:r>
+            <a:endParaRPr lang="en-US" dirty="0"/>
           </a:p>
         </p:txBody>
       </p:sp>
@@ -1257,7 +1342,7 @@
     </p:spTree>
     <p:extLst>
       <p:ext uri="{BB962C8B-B14F-4D97-AF65-F5344CB8AC3E}">
-        <p14:creationId xmlns:p14="http://schemas.microsoft.com/office/powerpoint/2010/main" val="3251089927"/>
+        <p14:creationId xmlns:p14="http://schemas.microsoft.com/office/powerpoint/2010/main" val="4184009432"/>
       </p:ext>
     </p:extLst>
   </p:cSld>
@@ -1313,42 +1398,8 @@
           <a:p>
             <a:r>
               <a:rPr lang="en-US" dirty="0"/>
-              <a:t>Optimism, good natured humor, and effectively working together is immensely important to delivering good software… and likely equally important to delivering just about any quality product</a:t>
-            </a:r>
-          </a:p>
-          <a:p>
-            <a:endParaRPr lang="en-US" dirty="0"/>
-          </a:p>
-          <a:p>
-            <a:r>
-              <a:rPr lang="en-US" dirty="0"/>
-              <a:t>Even if you don’t intend to be a professional software developer, many of the things that we learn will be valuable in related areas. </a:t>
-            </a:r>
-          </a:p>
-          <a:p>
-            <a:endParaRPr lang="en-US" dirty="0"/>
-          </a:p>
-          <a:p>
-            <a:r>
-              <a:rPr lang="en-US" dirty="0"/>
-              <a:t>You live in the Golden Age of software development. Many good jobs, wonderful tools, fantastic source code to look at, interesting and valuable problems to solve. </a:t>
-            </a:r>
-          </a:p>
-          <a:p>
-            <a:endParaRPr lang="en-US" dirty="0"/>
-          </a:p>
-          <a:p>
-            <a:r>
-              <a:rPr lang="en-US" dirty="0" err="1"/>
-              <a:t>Soooo</a:t>
-            </a:r>
-            <a:r>
-              <a:rPr lang="en-US" dirty="0"/>
-              <a:t>… We have 16 weeks to learn something valuable and interesting. Let’s enjoy our time together and make the most out of it. </a:t>
-            </a:r>
-          </a:p>
-          <a:p>
-            <a:endParaRPr lang="en-US" dirty="0"/>
+              <a:t>Remind me to tell you a story about Bob Parsons who I worked for at Parsons Technology when we get to the section on DNS… Domain Name Services</a:t>
+            </a:r>
           </a:p>
         </p:txBody>
       </p:sp>
@@ -1378,7 +1429,7 @@
     </p:spTree>
     <p:extLst>
       <p:ext uri="{BB962C8B-B14F-4D97-AF65-F5344CB8AC3E}">
-        <p14:creationId xmlns:p14="http://schemas.microsoft.com/office/powerpoint/2010/main" val="916640059"/>
+        <p14:creationId xmlns:p14="http://schemas.microsoft.com/office/powerpoint/2010/main" val="3251089927"/>
       </p:ext>
     </p:extLst>
   </p:cSld>
@@ -1432,6 +1483,34 @@
           <a:bodyPr/>
           <a:lstStyle/>
           <a:p>
+            <a:r>
+              <a:rPr lang="en-US" dirty="0"/>
+              <a:t>Optimism, good natured humor, and effectively working together is immensely important to delivering good software… and likely equally important to delivering just about any quality product</a:t>
+            </a:r>
+          </a:p>
+          <a:p>
+            <a:endParaRPr lang="en-US" dirty="0"/>
+          </a:p>
+          <a:p>
+            <a:r>
+              <a:rPr lang="en-US" dirty="0"/>
+              <a:t>Even if you don’t intend to be a professional software developer, many of the things that we learn will be valuable in related areas. </a:t>
+            </a:r>
+          </a:p>
+          <a:p>
+            <a:endParaRPr lang="en-US" dirty="0"/>
+          </a:p>
+          <a:p>
+            <a:r>
+              <a:rPr lang="en-US" dirty="0" err="1"/>
+              <a:t>Soooo</a:t>
+            </a:r>
+            <a:r>
+              <a:rPr lang="en-US" dirty="0"/>
+              <a:t>… We have 16 weeks to learn something valuable and interesting. Let’s enjoy our time together and make the most out of it. </a:t>
+            </a:r>
+          </a:p>
+          <a:p>
             <a:endParaRPr lang="en-US" dirty="0"/>
           </a:p>
         </p:txBody>
@@ -1462,7 +1541,7 @@
     </p:spTree>
     <p:extLst>
       <p:ext uri="{BB962C8B-B14F-4D97-AF65-F5344CB8AC3E}">
-        <p14:creationId xmlns:p14="http://schemas.microsoft.com/office/powerpoint/2010/main" val="3836788592"/>
+        <p14:creationId xmlns:p14="http://schemas.microsoft.com/office/powerpoint/2010/main" val="916640059"/>
       </p:ext>
     </p:extLst>
   </p:cSld>
@@ -1690,10 +1769,7 @@
           <a:bodyPr/>
           <a:lstStyle/>
           <a:p>
-            <a:r>
-              <a:rPr lang="en-US" dirty="0"/>
-              <a:t>In my opinion programming and software development is a creative and analytical group activity.</a:t>
-            </a:r>
+            <a:endParaRPr lang="en-US" dirty="0"/>
           </a:p>
         </p:txBody>
       </p:sp>
@@ -1714,7 +1790,7 @@
           <a:p>
             <a:fld id="{23B99BB9-C7F6-43B3-A122-46088ABB36FB}" type="slidenum">
               <a:rPr lang="en-US" smtClean="0"/>
-              <a:t>13</a:t>
+              <a:t>8</a:t>
             </a:fld>
             <a:endParaRPr lang="en-US"/>
           </a:p>
@@ -1723,7 +1799,7 @@
     </p:spTree>
     <p:extLst>
       <p:ext uri="{BB962C8B-B14F-4D97-AF65-F5344CB8AC3E}">
-        <p14:creationId xmlns:p14="http://schemas.microsoft.com/office/powerpoint/2010/main" val="3559186039"/>
+        <p14:creationId xmlns:p14="http://schemas.microsoft.com/office/powerpoint/2010/main" val="925006256"/>
       </p:ext>
     </p:extLst>
   </p:cSld>
@@ -1779,7 +1855,7 @@
           <a:p>
             <a:r>
               <a:rPr lang="en-US" dirty="0"/>
-              <a:t>It’s time for your introductions. Feel free to share as much or as little as you would like.</a:t>
+              <a:t>In my opinion programming and software development is a creative and analytical group activity.</a:t>
             </a:r>
           </a:p>
         </p:txBody>
@@ -1810,7 +1886,7 @@
     </p:spTree>
     <p:extLst>
       <p:ext uri="{BB962C8B-B14F-4D97-AF65-F5344CB8AC3E}">
-        <p14:creationId xmlns:p14="http://schemas.microsoft.com/office/powerpoint/2010/main" val="2689188702"/>
+        <p14:creationId xmlns:p14="http://schemas.microsoft.com/office/powerpoint/2010/main" val="3559186039"/>
       </p:ext>
     </p:extLst>
   </p:cSld>
@@ -1967,7 +2043,7 @@
           <a:p>
             <a:fld id="{5FB62F81-FD80-4AA8-93CA-E835B40BE667}" type="datetimeFigureOut">
               <a:rPr lang="en-US" smtClean="0"/>
-              <a:t>8/25/2017</a:t>
+              <a:t>8/28/2017</a:t>
             </a:fld>
             <a:endParaRPr lang="en-US"/>
           </a:p>
@@ -2165,7 +2241,7 @@
           <a:p>
             <a:fld id="{5FB62F81-FD80-4AA8-93CA-E835B40BE667}" type="datetimeFigureOut">
               <a:rPr lang="en-US" smtClean="0"/>
-              <a:t>8/25/2017</a:t>
+              <a:t>8/28/2017</a:t>
             </a:fld>
             <a:endParaRPr lang="en-US"/>
           </a:p>
@@ -2373,7 +2449,7 @@
           <a:p>
             <a:fld id="{5FB62F81-FD80-4AA8-93CA-E835B40BE667}" type="datetimeFigureOut">
               <a:rPr lang="en-US" smtClean="0"/>
-              <a:t>8/25/2017</a:t>
+              <a:t>8/28/2017</a:t>
             </a:fld>
             <a:endParaRPr lang="en-US"/>
           </a:p>
@@ -2571,7 +2647,7 @@
           <a:p>
             <a:fld id="{5FB62F81-FD80-4AA8-93CA-E835B40BE667}" type="datetimeFigureOut">
               <a:rPr lang="en-US" smtClean="0"/>
-              <a:t>8/25/2017</a:t>
+              <a:t>8/28/2017</a:t>
             </a:fld>
             <a:endParaRPr lang="en-US"/>
           </a:p>
@@ -2846,7 +2922,7 @@
           <a:p>
             <a:fld id="{5FB62F81-FD80-4AA8-93CA-E835B40BE667}" type="datetimeFigureOut">
               <a:rPr lang="en-US" smtClean="0"/>
-              <a:t>8/25/2017</a:t>
+              <a:t>8/28/2017</a:t>
             </a:fld>
             <a:endParaRPr lang="en-US"/>
           </a:p>
@@ -3111,7 +3187,7 @@
           <a:p>
             <a:fld id="{5FB62F81-FD80-4AA8-93CA-E835B40BE667}" type="datetimeFigureOut">
               <a:rPr lang="en-US" smtClean="0"/>
-              <a:t>8/25/2017</a:t>
+              <a:t>8/28/2017</a:t>
             </a:fld>
             <a:endParaRPr lang="en-US"/>
           </a:p>
@@ -3523,7 +3599,7 @@
           <a:p>
             <a:fld id="{5FB62F81-FD80-4AA8-93CA-E835B40BE667}" type="datetimeFigureOut">
               <a:rPr lang="en-US" smtClean="0"/>
-              <a:t>8/25/2017</a:t>
+              <a:t>8/28/2017</a:t>
             </a:fld>
             <a:endParaRPr lang="en-US"/>
           </a:p>
@@ -3664,7 +3740,7 @@
           <a:p>
             <a:fld id="{5FB62F81-FD80-4AA8-93CA-E835B40BE667}" type="datetimeFigureOut">
               <a:rPr lang="en-US" smtClean="0"/>
-              <a:t>8/25/2017</a:t>
+              <a:t>8/28/2017</a:t>
             </a:fld>
             <a:endParaRPr lang="en-US"/>
           </a:p>
@@ -3777,7 +3853,7 @@
           <a:p>
             <a:fld id="{5FB62F81-FD80-4AA8-93CA-E835B40BE667}" type="datetimeFigureOut">
               <a:rPr lang="en-US" smtClean="0"/>
-              <a:t>8/25/2017</a:t>
+              <a:t>8/28/2017</a:t>
             </a:fld>
             <a:endParaRPr lang="en-US"/>
           </a:p>
@@ -4088,7 +4164,7 @@
           <a:p>
             <a:fld id="{5FB62F81-FD80-4AA8-93CA-E835B40BE667}" type="datetimeFigureOut">
               <a:rPr lang="en-US" smtClean="0"/>
-              <a:t>8/25/2017</a:t>
+              <a:t>8/28/2017</a:t>
             </a:fld>
             <a:endParaRPr lang="en-US"/>
           </a:p>
@@ -4376,7 +4452,7 @@
           <a:p>
             <a:fld id="{5FB62F81-FD80-4AA8-93CA-E835B40BE667}" type="datetimeFigureOut">
               <a:rPr lang="en-US" smtClean="0"/>
-              <a:t>8/25/2017</a:t>
+              <a:t>8/28/2017</a:t>
             </a:fld>
             <a:endParaRPr lang="en-US"/>
           </a:p>
@@ -4617,7 +4693,7 @@
           <a:p>
             <a:fld id="{5FB62F81-FD80-4AA8-93CA-E835B40BE667}" type="datetimeFigureOut">
               <a:rPr lang="en-US" smtClean="0"/>
-              <a:t>8/25/2017</a:t>
+              <a:t>8/28/2017</a:t>
             </a:fld>
             <a:endParaRPr lang="en-US"/>
           </a:p>
@@ -5287,6 +5363,284 @@
           <p:cNvPr id="2" name="Picture 1">
             <a:extLst>
               <a:ext uri="{FF2B5EF4-FFF2-40B4-BE49-F238E27FC236}">
+                <a16:creationId xmlns:a16="http://schemas.microsoft.com/office/drawing/2014/main" id="{976765CF-286A-428D-802A-96D23D5CF0C0}"/>
+              </a:ext>
+            </a:extLst>
+          </p:cNvPr>
+          <p:cNvPicPr>
+            <a:picLocks noChangeAspect="1"/>
+          </p:cNvPicPr>
+          <p:nvPr/>
+        </p:nvPicPr>
+        <p:blipFill>
+          <a:blip r:embed="rId2"/>
+          <a:stretch>
+            <a:fillRect/>
+          </a:stretch>
+        </p:blipFill>
+        <p:spPr>
+          <a:xfrm>
+            <a:off x="653012" y="251717"/>
+            <a:ext cx="10730754" cy="6318894"/>
+          </a:xfrm>
+          <a:prstGeom prst="rect">
+            <a:avLst/>
+          </a:prstGeom>
+        </p:spPr>
+      </p:pic>
+      <p:sp>
+        <p:nvSpPr>
+          <p:cNvPr id="3" name="Rectangle 2">
+            <a:extLst>
+              <a:ext uri="{FF2B5EF4-FFF2-40B4-BE49-F238E27FC236}">
+                <a16:creationId xmlns:a16="http://schemas.microsoft.com/office/drawing/2014/main" id="{5B5859CC-A5E9-477D-9E54-5D46E3807770}"/>
+              </a:ext>
+            </a:extLst>
+          </p:cNvPr>
+          <p:cNvSpPr/>
+          <p:nvPr/>
+        </p:nvSpPr>
+        <p:spPr>
+          <a:xfrm>
+            <a:off x="2402948" y="785009"/>
+            <a:ext cx="2369535" cy="310316"/>
+          </a:xfrm>
+          <a:prstGeom prst="rect">
+            <a:avLst/>
+          </a:prstGeom>
+          <a:noFill/>
+          <a:ln w="25400"/>
+        </p:spPr>
+        <p:style>
+          <a:lnRef idx="2">
+            <a:schemeClr val="accent1">
+              <a:shade val="50000"/>
+            </a:schemeClr>
+          </a:lnRef>
+          <a:fillRef idx="1">
+            <a:schemeClr val="accent1"/>
+          </a:fillRef>
+          <a:effectRef idx="0">
+            <a:schemeClr val="accent1"/>
+          </a:effectRef>
+          <a:fontRef idx="minor">
+            <a:schemeClr val="lt1"/>
+          </a:fontRef>
+        </p:style>
+        <p:txBody>
+          <a:bodyPr rtlCol="0" anchor="ctr"/>
+          <a:lstStyle/>
+          <a:p>
+            <a:pPr algn="ctr"/>
+            <a:endParaRPr lang="en-US"/>
+          </a:p>
+        </p:txBody>
+      </p:sp>
+      <p:sp>
+        <p:nvSpPr>
+          <p:cNvPr id="4" name="Rectangle 3">
+            <a:extLst>
+              <a:ext uri="{FF2B5EF4-FFF2-40B4-BE49-F238E27FC236}">
+                <a16:creationId xmlns:a16="http://schemas.microsoft.com/office/drawing/2014/main" id="{138EB192-F6A8-4961-8287-1FE91979FD59}"/>
+              </a:ext>
+            </a:extLst>
+          </p:cNvPr>
+          <p:cNvSpPr/>
+          <p:nvPr/>
+        </p:nvSpPr>
+        <p:spPr>
+          <a:xfrm>
+            <a:off x="1078616" y="2516827"/>
+            <a:ext cx="3283121" cy="310316"/>
+          </a:xfrm>
+          <a:prstGeom prst="rect">
+            <a:avLst/>
+          </a:prstGeom>
+          <a:noFill/>
+          <a:ln w="25400"/>
+        </p:spPr>
+        <p:style>
+          <a:lnRef idx="2">
+            <a:schemeClr val="accent1">
+              <a:shade val="50000"/>
+            </a:schemeClr>
+          </a:lnRef>
+          <a:fillRef idx="1">
+            <a:schemeClr val="accent1"/>
+          </a:fillRef>
+          <a:effectRef idx="0">
+            <a:schemeClr val="accent1"/>
+          </a:effectRef>
+          <a:fontRef idx="minor">
+            <a:schemeClr val="lt1"/>
+          </a:fontRef>
+        </p:style>
+        <p:txBody>
+          <a:bodyPr rtlCol="0" anchor="ctr"/>
+          <a:lstStyle/>
+          <a:p>
+            <a:pPr algn="ctr"/>
+            <a:endParaRPr lang="en-US"/>
+          </a:p>
+        </p:txBody>
+      </p:sp>
+    </p:spTree>
+    <p:extLst>
+      <p:ext uri="{BB962C8B-B14F-4D97-AF65-F5344CB8AC3E}">
+        <p14:creationId xmlns:p14="http://schemas.microsoft.com/office/powerpoint/2010/main" val="343145149"/>
+      </p:ext>
+    </p:extLst>
+  </p:cSld>
+  <p:clrMapOvr>
+    <a:masterClrMapping/>
+  </p:clrMapOvr>
+  <p:timing>
+    <p:tnLst>
+      <p:par>
+        <p:cTn id="1" dur="indefinite" restart="never" nodeType="tmRoot">
+          <p:childTnLst>
+            <p:seq concurrent="1" nextAc="seek">
+              <p:cTn id="2" dur="indefinite" nodeType="mainSeq">
+                <p:childTnLst>
+                  <p:par>
+                    <p:cTn id="3" fill="hold">
+                      <p:stCondLst>
+                        <p:cond delay="indefinite"/>
+                      </p:stCondLst>
+                      <p:childTnLst>
+                        <p:par>
+                          <p:cTn id="4" fill="hold">
+                            <p:stCondLst>
+                              <p:cond delay="0"/>
+                            </p:stCondLst>
+                            <p:childTnLst>
+                              <p:par>
+                                <p:cTn id="5" presetID="6" presetClass="entr" presetSubtype="16" fill="hold" grpId="0" nodeType="clickEffect">
+                                  <p:stCondLst>
+                                    <p:cond delay="0"/>
+                                  </p:stCondLst>
+                                  <p:childTnLst>
+                                    <p:set>
+                                      <p:cBhvr>
+                                        <p:cTn id="6" dur="1" fill="hold">
+                                          <p:stCondLst>
+                                            <p:cond delay="0"/>
+                                          </p:stCondLst>
+                                        </p:cTn>
+                                        <p:tgtEl>
+                                          <p:spTgt spid="3"/>
+                                        </p:tgtEl>
+                                        <p:attrNameLst>
+                                          <p:attrName>style.visibility</p:attrName>
+                                        </p:attrNameLst>
+                                      </p:cBhvr>
+                                      <p:to>
+                                        <p:strVal val="visible"/>
+                                      </p:to>
+                                    </p:set>
+                                    <p:animEffect transition="in" filter="circle(in)">
+                                      <p:cBhvr>
+                                        <p:cTn id="7" dur="2000"/>
+                                        <p:tgtEl>
+                                          <p:spTgt spid="3"/>
+                                        </p:tgtEl>
+                                      </p:cBhvr>
+                                    </p:animEffect>
+                                  </p:childTnLst>
+                                </p:cTn>
+                              </p:par>
+                              <p:par>
+                                <p:cTn id="8" presetID="6" presetClass="entr" presetSubtype="16" fill="hold" grpId="0" nodeType="withEffect">
+                                  <p:stCondLst>
+                                    <p:cond delay="0"/>
+                                  </p:stCondLst>
+                                  <p:childTnLst>
+                                    <p:set>
+                                      <p:cBhvr>
+                                        <p:cTn id="9" dur="1" fill="hold">
+                                          <p:stCondLst>
+                                            <p:cond delay="0"/>
+                                          </p:stCondLst>
+                                        </p:cTn>
+                                        <p:tgtEl>
+                                          <p:spTgt spid="4"/>
+                                        </p:tgtEl>
+                                        <p:attrNameLst>
+                                          <p:attrName>style.visibility</p:attrName>
+                                        </p:attrNameLst>
+                                      </p:cBhvr>
+                                      <p:to>
+                                        <p:strVal val="visible"/>
+                                      </p:to>
+                                    </p:set>
+                                    <p:animEffect transition="in" filter="circle(in)">
+                                      <p:cBhvr>
+                                        <p:cTn id="10" dur="2000"/>
+                                        <p:tgtEl>
+                                          <p:spTgt spid="4"/>
+                                        </p:tgtEl>
+                                      </p:cBhvr>
+                                    </p:animEffect>
+                                  </p:childTnLst>
+                                </p:cTn>
+                              </p:par>
+                            </p:childTnLst>
+                          </p:cTn>
+                        </p:par>
+                      </p:childTnLst>
+                    </p:cTn>
+                  </p:par>
+                </p:childTnLst>
+              </p:cTn>
+              <p:prevCondLst>
+                <p:cond evt="onPrev" delay="0">
+                  <p:tgtEl>
+                    <p:sldTgt/>
+                  </p:tgtEl>
+                </p:cond>
+              </p:prevCondLst>
+              <p:nextCondLst>
+                <p:cond evt="onNext" delay="0">
+                  <p:tgtEl>
+                    <p:sldTgt/>
+                  </p:tgtEl>
+                </p:cond>
+              </p:nextCondLst>
+            </p:seq>
+          </p:childTnLst>
+        </p:cTn>
+      </p:par>
+    </p:tnLst>
+    <p:bldLst>
+      <p:bldP spid="3" grpId="0" animBg="1"/>
+      <p:bldP spid="4" grpId="0" animBg="1"/>
+    </p:bldLst>
+  </p:timing>
+</p:sld>
+</file>
+
+<file path=ppt/slides/slide11.xml><?xml version="1.0" encoding="utf-8"?>
+<p:sld xmlns:a="http://schemas.openxmlformats.org/drawingml/2006/main" xmlns:r="http://schemas.openxmlformats.org/officeDocument/2006/relationships" xmlns:p="http://schemas.openxmlformats.org/presentationml/2006/main">
+  <p:cSld>
+    <p:spTree>
+      <p:nvGrpSpPr>
+        <p:cNvPr id="1" name=""/>
+        <p:cNvGrpSpPr/>
+        <p:nvPr/>
+      </p:nvGrpSpPr>
+      <p:grpSpPr>
+        <a:xfrm>
+          <a:off x="0" y="0"/>
+          <a:ext cx="0" cy="0"/>
+          <a:chOff x="0" y="0"/>
+          <a:chExt cx="0" cy="0"/>
+        </a:xfrm>
+      </p:grpSpPr>
+      <p:pic>
+        <p:nvPicPr>
+          <p:cNvPr id="2" name="Picture 1">
+            <a:extLst>
+              <a:ext uri="{FF2B5EF4-FFF2-40B4-BE49-F238E27FC236}">
                 <a16:creationId xmlns:a16="http://schemas.microsoft.com/office/drawing/2014/main" id="{E6F99E1F-D3DD-450F-80BD-4AAFBAAA9096}"/>
               </a:ext>
             </a:extLst>
@@ -5663,7 +6017,7 @@
 </p:sld>
 </file>
 
-<file path=ppt/slides/slide11.xml><?xml version="1.0" encoding="utf-8"?>
+<file path=ppt/slides/slide12.xml><?xml version="1.0" encoding="utf-8"?>
 <p:sld xmlns:a="http://schemas.openxmlformats.org/drawingml/2006/main" xmlns:r="http://schemas.openxmlformats.org/officeDocument/2006/relationships" xmlns:p="http://schemas.openxmlformats.org/presentationml/2006/main">
   <p:cSld>
     <p:spTree>
@@ -5857,7 +6211,7 @@
 </p:sld>
 </file>
 
-<file path=ppt/slides/slide12.xml><?xml version="1.0" encoding="utf-8"?>
+<file path=ppt/slides/slide13.xml><?xml version="1.0" encoding="utf-8"?>
 <p:sld xmlns:a="http://schemas.openxmlformats.org/drawingml/2006/main" xmlns:r="http://schemas.openxmlformats.org/officeDocument/2006/relationships" xmlns:p="http://schemas.openxmlformats.org/presentationml/2006/main">
   <p:cSld>
     <p:spTree>
@@ -6255,7 +6609,7 @@
 </p:sld>
 </file>
 
-<file path=ppt/slides/slide13.xml><?xml version="1.0" encoding="utf-8"?>
+<file path=ppt/slides/slide14.xml><?xml version="1.0" encoding="utf-8"?>
 <p:sld xmlns:a="http://schemas.openxmlformats.org/drawingml/2006/main" xmlns:r="http://schemas.openxmlformats.org/officeDocument/2006/relationships" xmlns:p="http://schemas.openxmlformats.org/presentationml/2006/main">
   <p:cSld>
     <p:spTree>
@@ -6934,7 +7288,7 @@
 </p:sld>
 </file>
 
-<file path=ppt/slides/slide14.xml><?xml version="1.0" encoding="utf-8"?>
+<file path=ppt/slides/slide15.xml><?xml version="1.0" encoding="utf-8"?>
 <p:sld xmlns:a="http://schemas.openxmlformats.org/drawingml/2006/main" xmlns:r="http://schemas.openxmlformats.org/officeDocument/2006/relationships" xmlns:p="http://schemas.openxmlformats.org/presentationml/2006/main">
   <p:cSld>
     <p:spTree>
@@ -6994,7 +7348,7 @@
 </p:sld>
 </file>
 
-<file path=ppt/slides/slide15.xml><?xml version="1.0" encoding="utf-8"?>
+<file path=ppt/slides/slide16.xml><?xml version="1.0" encoding="utf-8"?>
 <p:sld xmlns:a="http://schemas.openxmlformats.org/drawingml/2006/main" xmlns:r="http://schemas.openxmlformats.org/officeDocument/2006/relationships" xmlns:p="http://schemas.openxmlformats.org/presentationml/2006/main">
   <p:cSld>
     <p:spTree>
@@ -7260,300 +7614,6 @@
 </p:sld>
 </file>
 
-<file path=ppt/slides/slide16.xml><?xml version="1.0" encoding="utf-8"?>
-<p:sld xmlns:a="http://schemas.openxmlformats.org/drawingml/2006/main" xmlns:r="http://schemas.openxmlformats.org/officeDocument/2006/relationships" xmlns:p="http://schemas.openxmlformats.org/presentationml/2006/main">
-  <p:cSld>
-    <p:spTree>
-      <p:nvGrpSpPr>
-        <p:cNvPr id="1" name=""/>
-        <p:cNvGrpSpPr/>
-        <p:nvPr/>
-      </p:nvGrpSpPr>
-      <p:grpSpPr>
-        <a:xfrm>
-          <a:off x="0" y="0"/>
-          <a:ext cx="0" cy="0"/>
-          <a:chOff x="0" y="0"/>
-          <a:chExt cx="0" cy="0"/>
-        </a:xfrm>
-      </p:grpSpPr>
-      <p:sp>
-        <p:nvSpPr>
-          <p:cNvPr id="4" name="Title 1">
-            <a:extLst>
-              <a:ext uri="{FF2B5EF4-FFF2-40B4-BE49-F238E27FC236}">
-                <a16:creationId xmlns:a16="http://schemas.microsoft.com/office/drawing/2014/main" id="{BB378CBF-14ED-418D-866F-83F08A1394FB}"/>
-              </a:ext>
-            </a:extLst>
-          </p:cNvPr>
-          <p:cNvSpPr>
-            <a:spLocks noGrp="1"/>
-          </p:cNvSpPr>
-          <p:nvPr>
-            <p:ph type="title"/>
-          </p:nvPr>
-        </p:nvSpPr>
-        <p:spPr>
-          <a:xfrm>
-            <a:off x="838200" y="474626"/>
-            <a:ext cx="10515600" cy="757272"/>
-          </a:xfrm>
-        </p:spPr>
-        <p:txBody>
-          <a:bodyPr>
-            <a:normAutofit/>
-          </a:bodyPr>
-          <a:lstStyle/>
-          <a:p>
-            <a:r>
-              <a:rPr lang="en-US" sz="3600" dirty="0"/>
-              <a:t>Course Objectives</a:t>
-            </a:r>
-            <a:endParaRPr lang="en-US" sz="3600" b="1" i="1" u="sng" dirty="0"/>
-          </a:p>
-        </p:txBody>
-      </p:sp>
-      <p:sp>
-        <p:nvSpPr>
-          <p:cNvPr id="5" name="Content Placeholder 2">
-            <a:extLst>
-              <a:ext uri="{FF2B5EF4-FFF2-40B4-BE49-F238E27FC236}">
-                <a16:creationId xmlns:a16="http://schemas.microsoft.com/office/drawing/2014/main" id="{727BBDCE-1802-4E01-83C0-A3AA3610FD4D}"/>
-              </a:ext>
-            </a:extLst>
-          </p:cNvPr>
-          <p:cNvSpPr>
-            <a:spLocks noGrp="1"/>
-          </p:cNvSpPr>
-          <p:nvPr>
-            <p:ph idx="1"/>
-          </p:nvPr>
-        </p:nvSpPr>
-        <p:spPr>
-          <a:xfrm>
-            <a:off x="838200" y="1231898"/>
-            <a:ext cx="10718950" cy="5030679"/>
-          </a:xfrm>
-        </p:spPr>
-        <p:txBody>
-          <a:bodyPr>
-            <a:normAutofit lnSpcReduction="10000"/>
-          </a:bodyPr>
-          <a:lstStyle/>
-          <a:p>
-            <a:pPr marL="0" indent="0">
-              <a:buNone/>
-            </a:pPr>
-            <a:r>
-              <a:rPr lang="en-US" sz="2000" dirty="0"/>
-              <a:t>On the successful completion of this course we will be able to:</a:t>
-            </a:r>
-          </a:p>
-          <a:p>
-            <a:pPr marL="457200" indent="-457200">
-              <a:buFont typeface="+mj-lt"/>
-              <a:buAutoNum type="arabicPeriod"/>
-            </a:pPr>
-            <a:r>
-              <a:rPr lang="en-US" sz="2000" dirty="0"/>
-              <a:t>Understand the ideas of Distributed Computing &amp; the World Wide Web </a:t>
-            </a:r>
-          </a:p>
-          <a:p>
-            <a:pPr marL="457200" indent="-457200">
-              <a:buFont typeface="+mj-lt"/>
-              <a:buAutoNum type="arabicPeriod"/>
-            </a:pPr>
-            <a:r>
-              <a:rPr lang="en-US" sz="2000" dirty="0">
-                <a:solidFill>
-                  <a:schemeClr val="bg1">
-                    <a:lumMod val="65000"/>
-                  </a:schemeClr>
-                </a:solidFill>
-              </a:rPr>
-              <a:t>Create web pages with HTML5 and CSS</a:t>
-            </a:r>
-          </a:p>
-          <a:p>
-            <a:pPr marL="457200" indent="-457200">
-              <a:buFont typeface="+mj-lt"/>
-              <a:buAutoNum type="arabicPeriod"/>
-            </a:pPr>
-            <a:r>
-              <a:rPr lang="en-US" sz="2000" dirty="0">
-                <a:solidFill>
-                  <a:schemeClr val="bg1">
-                    <a:lumMod val="65000"/>
-                  </a:schemeClr>
-                </a:solidFill>
-              </a:rPr>
-              <a:t>Utilize a cloud based computing platform (Microsoft Azure) to host a basic website </a:t>
-            </a:r>
-          </a:p>
-          <a:p>
-            <a:pPr marL="457200" indent="-457200">
-              <a:buFont typeface="+mj-lt"/>
-              <a:buAutoNum type="arabicPeriod"/>
-            </a:pPr>
-            <a:r>
-              <a:rPr lang="en-US" sz="2000" dirty="0">
-                <a:solidFill>
-                  <a:schemeClr val="bg1">
-                    <a:lumMod val="65000"/>
-                  </a:schemeClr>
-                </a:solidFill>
-              </a:rPr>
-              <a:t>Understand the best Web design practices</a:t>
-            </a:r>
-          </a:p>
-          <a:p>
-            <a:pPr marL="457200" indent="-457200">
-              <a:buFont typeface="+mj-lt"/>
-              <a:buAutoNum type="arabicPeriod"/>
-            </a:pPr>
-            <a:r>
-              <a:rPr lang="en-US" sz="2000" dirty="0">
-                <a:solidFill>
-                  <a:schemeClr val="bg1">
-                    <a:lumMod val="65000"/>
-                  </a:schemeClr>
-                </a:solidFill>
-              </a:rPr>
-              <a:t>Create dynamic and interactive web sites using JavaScript</a:t>
-            </a:r>
-          </a:p>
-          <a:p>
-            <a:pPr marL="457200" indent="-457200">
-              <a:buFont typeface="+mj-lt"/>
-              <a:buAutoNum type="arabicPeriod"/>
-            </a:pPr>
-            <a:r>
-              <a:rPr lang="en-US" sz="2000" dirty="0">
-                <a:solidFill>
-                  <a:schemeClr val="bg1">
-                    <a:lumMod val="65000"/>
-                  </a:schemeClr>
-                </a:solidFill>
-              </a:rPr>
-              <a:t>Understand XML and Web services</a:t>
-            </a:r>
-          </a:p>
-          <a:p>
-            <a:pPr marL="457200" indent="-457200">
-              <a:buFont typeface="+mj-lt"/>
-              <a:buAutoNum type="arabicPeriod"/>
-            </a:pPr>
-            <a:r>
-              <a:rPr lang="en-US" sz="2000" dirty="0">
-                <a:solidFill>
-                  <a:schemeClr val="bg1">
-                    <a:lumMod val="65000"/>
-                  </a:schemeClr>
-                </a:solidFill>
-              </a:rPr>
-              <a:t>Understand basic database concepts and make simple SQL queries</a:t>
-            </a:r>
-          </a:p>
-          <a:p>
-            <a:pPr marL="457200" indent="-457200">
-              <a:buFont typeface="+mj-lt"/>
-              <a:buAutoNum type="arabicPeriod"/>
-            </a:pPr>
-            <a:r>
-              <a:rPr lang="en-US" sz="2000" dirty="0">
-                <a:solidFill>
-                  <a:schemeClr val="bg1">
-                    <a:lumMod val="65000"/>
-                  </a:schemeClr>
-                </a:solidFill>
-              </a:rPr>
-              <a:t>Write PHP scripts to process forms and interact with databases</a:t>
-            </a:r>
-          </a:p>
-          <a:p>
-            <a:pPr marL="457200" indent="-457200">
-              <a:buFont typeface="+mj-lt"/>
-              <a:buAutoNum type="arabicPeriod"/>
-            </a:pPr>
-            <a:r>
-              <a:rPr lang="en-US" sz="2000" dirty="0">
-                <a:solidFill>
-                  <a:schemeClr val="bg1">
-                    <a:lumMod val="65000"/>
-                  </a:schemeClr>
-                </a:solidFill>
-              </a:rPr>
-              <a:t>Understand the basics of the various software development lifecycle processes</a:t>
-            </a:r>
-          </a:p>
-          <a:p>
-            <a:pPr marL="457200" indent="-457200">
-              <a:buFont typeface="+mj-lt"/>
-              <a:buAutoNum type="arabicPeriod"/>
-            </a:pPr>
-            <a:r>
-              <a:rPr lang="en-US" sz="2000" dirty="0">
-                <a:solidFill>
-                  <a:schemeClr val="bg1">
-                    <a:lumMod val="65000"/>
-                  </a:schemeClr>
-                </a:solidFill>
-              </a:rPr>
-              <a:t>Provide an overview of Perl, Java, and Ruby</a:t>
-            </a:r>
-          </a:p>
-          <a:p>
-            <a:pPr marL="457200" indent="-457200">
-              <a:buFont typeface="+mj-lt"/>
-              <a:buAutoNum type="arabicPeriod"/>
-            </a:pPr>
-            <a:r>
-              <a:rPr lang="en-US" sz="2000" dirty="0">
-                <a:solidFill>
-                  <a:schemeClr val="bg1">
-                    <a:lumMod val="65000"/>
-                  </a:schemeClr>
-                </a:solidFill>
-              </a:rPr>
-              <a:t>Understand the Hadoop framework and MapReduce programs… or alternatively the Angular JS </a:t>
-            </a:r>
-            <a:r>
-              <a:rPr lang="en-US" sz="2000" dirty="0" err="1">
-                <a:solidFill>
-                  <a:schemeClr val="bg1">
-                    <a:lumMod val="65000"/>
-                  </a:schemeClr>
-                </a:solidFill>
-              </a:rPr>
-              <a:t>JavaScriptJS</a:t>
-            </a:r>
-            <a:r>
-              <a:rPr lang="en-US" sz="2000" dirty="0">
-                <a:solidFill>
-                  <a:schemeClr val="bg1">
-                    <a:lumMod val="65000"/>
-                  </a:schemeClr>
-                </a:solidFill>
-              </a:rPr>
-              <a:t> framework </a:t>
-            </a:r>
-          </a:p>
-        </p:txBody>
-      </p:sp>
-    </p:spTree>
-    <p:extLst>
-      <p:ext uri="{BB962C8B-B14F-4D97-AF65-F5344CB8AC3E}">
-        <p14:creationId xmlns:p14="http://schemas.microsoft.com/office/powerpoint/2010/main" val="3287547842"/>
-      </p:ext>
-    </p:extLst>
-  </p:cSld>
-  <p:clrMapOvr>
-    <a:masterClrMapping/>
-  </p:clrMapOvr>
-</p:sld>
-</file>
-
 <file path=ppt/slides/slide17.xml><?xml version="1.0" encoding="utf-8"?>
 <p:sld xmlns:a="http://schemas.openxmlformats.org/drawingml/2006/main" xmlns:r="http://schemas.openxmlformats.org/officeDocument/2006/relationships" xmlns:p="http://schemas.openxmlformats.org/presentationml/2006/main">
   <p:cSld>
@@ -7573,6 +7633,362 @@
       </p:grpSpPr>
       <p:sp>
         <p:nvSpPr>
+          <p:cNvPr id="4" name="Title 1">
+            <a:extLst>
+              <a:ext uri="{FF2B5EF4-FFF2-40B4-BE49-F238E27FC236}">
+                <a16:creationId xmlns:a16="http://schemas.microsoft.com/office/drawing/2014/main" id="{BB378CBF-14ED-418D-866F-83F08A1394FB}"/>
+              </a:ext>
+            </a:extLst>
+          </p:cNvPr>
+          <p:cNvSpPr>
+            <a:spLocks noGrp="1"/>
+          </p:cNvSpPr>
+          <p:nvPr>
+            <p:ph type="title"/>
+          </p:nvPr>
+        </p:nvSpPr>
+        <p:spPr>
+          <a:xfrm>
+            <a:off x="838200" y="474626"/>
+            <a:ext cx="10515600" cy="757272"/>
+          </a:xfrm>
+        </p:spPr>
+        <p:txBody>
+          <a:bodyPr>
+            <a:normAutofit/>
+          </a:bodyPr>
+          <a:lstStyle/>
+          <a:p>
+            <a:r>
+              <a:rPr lang="en-US" sz="3600" dirty="0"/>
+              <a:t>Course Objectives</a:t>
+            </a:r>
+            <a:endParaRPr lang="en-US" sz="3600" b="1" i="1" u="sng" dirty="0"/>
+          </a:p>
+        </p:txBody>
+      </p:sp>
+      <p:sp>
+        <p:nvSpPr>
+          <p:cNvPr id="5" name="Content Placeholder 2">
+            <a:extLst>
+              <a:ext uri="{FF2B5EF4-FFF2-40B4-BE49-F238E27FC236}">
+                <a16:creationId xmlns:a16="http://schemas.microsoft.com/office/drawing/2014/main" id="{727BBDCE-1802-4E01-83C0-A3AA3610FD4D}"/>
+              </a:ext>
+            </a:extLst>
+          </p:cNvPr>
+          <p:cNvSpPr>
+            <a:spLocks noGrp="1"/>
+          </p:cNvSpPr>
+          <p:nvPr>
+            <p:ph idx="1"/>
+          </p:nvPr>
+        </p:nvSpPr>
+        <p:spPr>
+          <a:xfrm>
+            <a:off x="838200" y="1231898"/>
+            <a:ext cx="10718950" cy="5030679"/>
+          </a:xfrm>
+        </p:spPr>
+        <p:txBody>
+          <a:bodyPr>
+            <a:normAutofit lnSpcReduction="10000"/>
+          </a:bodyPr>
+          <a:lstStyle/>
+          <a:p>
+            <a:pPr marL="0" indent="0">
+              <a:buNone/>
+            </a:pPr>
+            <a:r>
+              <a:rPr lang="en-US" sz="2000" dirty="0"/>
+              <a:t>On the successful completion of this course we will be able to:</a:t>
+            </a:r>
+          </a:p>
+          <a:p>
+            <a:pPr marL="457200" indent="-457200">
+              <a:buFont typeface="+mj-lt"/>
+              <a:buAutoNum type="arabicPeriod"/>
+            </a:pPr>
+            <a:r>
+              <a:rPr lang="en-US" sz="2000" dirty="0"/>
+              <a:t>Understand the ideas of Distributed Computing &amp; the World Wide Web </a:t>
+            </a:r>
+          </a:p>
+          <a:p>
+            <a:pPr marL="457200" indent="-457200">
+              <a:buFont typeface="+mj-lt"/>
+              <a:buAutoNum type="arabicPeriod"/>
+            </a:pPr>
+            <a:r>
+              <a:rPr lang="en-US" sz="2000" dirty="0"/>
+              <a:t>Create web pages with HTML5 and CSS</a:t>
+            </a:r>
+          </a:p>
+          <a:p>
+            <a:pPr marL="457200" indent="-457200">
+              <a:buFont typeface="+mj-lt"/>
+              <a:buAutoNum type="arabicPeriod"/>
+            </a:pPr>
+            <a:r>
+              <a:rPr lang="en-US" sz="2000" dirty="0"/>
+              <a:t>Utilize a cloud based computing platform (Microsoft Azure) to host a basic website </a:t>
+            </a:r>
+          </a:p>
+          <a:p>
+            <a:pPr marL="457200" indent="-457200">
+              <a:buFont typeface="+mj-lt"/>
+              <a:buAutoNum type="arabicPeriod"/>
+            </a:pPr>
+            <a:r>
+              <a:rPr lang="en-US" sz="2000" dirty="0"/>
+              <a:t>Understand the best Web design practices</a:t>
+            </a:r>
+          </a:p>
+          <a:p>
+            <a:pPr marL="457200" indent="-457200">
+              <a:buFont typeface="+mj-lt"/>
+              <a:buAutoNum type="arabicPeriod"/>
+            </a:pPr>
+            <a:r>
+              <a:rPr lang="en-US" sz="2000" dirty="0"/>
+              <a:t>Create dynamic and interactive web sites using JavaScript</a:t>
+            </a:r>
+          </a:p>
+          <a:p>
+            <a:pPr marL="457200" indent="-457200">
+              <a:buFont typeface="+mj-lt"/>
+              <a:buAutoNum type="arabicPeriod"/>
+            </a:pPr>
+            <a:r>
+              <a:rPr lang="en-US" sz="2000" dirty="0"/>
+              <a:t>Understand XML and Web services</a:t>
+            </a:r>
+          </a:p>
+          <a:p>
+            <a:pPr marL="457200" indent="-457200">
+              <a:buFont typeface="+mj-lt"/>
+              <a:buAutoNum type="arabicPeriod"/>
+            </a:pPr>
+            <a:r>
+              <a:rPr lang="en-US" sz="2000" dirty="0"/>
+              <a:t>Understand basic database concepts and make simple SQL queries</a:t>
+            </a:r>
+          </a:p>
+          <a:p>
+            <a:pPr marL="457200" indent="-457200">
+              <a:buFont typeface="+mj-lt"/>
+              <a:buAutoNum type="arabicPeriod"/>
+            </a:pPr>
+            <a:r>
+              <a:rPr lang="en-US" sz="2000" dirty="0"/>
+              <a:t>Write PHP scripts to process forms and interact with databases</a:t>
+            </a:r>
+          </a:p>
+          <a:p>
+            <a:pPr marL="457200" indent="-457200">
+              <a:buFont typeface="+mj-lt"/>
+              <a:buAutoNum type="arabicPeriod"/>
+            </a:pPr>
+            <a:r>
+              <a:rPr lang="en-US" sz="2000" dirty="0"/>
+              <a:t>Understand the basics of the various software development lifecycle processes</a:t>
+            </a:r>
+          </a:p>
+          <a:p>
+            <a:pPr marL="457200" indent="-457200">
+              <a:buFont typeface="+mj-lt"/>
+              <a:buAutoNum type="arabicPeriod"/>
+            </a:pPr>
+            <a:r>
+              <a:rPr lang="en-US" sz="2000" dirty="0"/>
+              <a:t>Provide an overview of Perl, Java, and Ruby</a:t>
+            </a:r>
+          </a:p>
+          <a:p>
+            <a:pPr marL="457200" indent="-457200">
+              <a:buFont typeface="+mj-lt"/>
+              <a:buAutoNum type="arabicPeriod"/>
+            </a:pPr>
+            <a:r>
+              <a:rPr lang="en-US" sz="2000" dirty="0"/>
+              <a:t>Understand the Hadoop framework and MapReduce programs… or alternatively the Angular JS </a:t>
+            </a:r>
+            <a:r>
+              <a:rPr lang="en-US" sz="2000" dirty="0" err="1"/>
+              <a:t>JavaScriptJS</a:t>
+            </a:r>
+            <a:r>
+              <a:rPr lang="en-US" sz="2000" dirty="0"/>
+              <a:t> framework </a:t>
+            </a:r>
+          </a:p>
+        </p:txBody>
+      </p:sp>
+      <p:sp>
+        <p:nvSpPr>
+          <p:cNvPr id="6" name="Rectangle 5">
+            <a:extLst>
+              <a:ext uri="{FF2B5EF4-FFF2-40B4-BE49-F238E27FC236}">
+                <a16:creationId xmlns:a16="http://schemas.microsoft.com/office/drawing/2014/main" id="{30584F07-EF26-4C7C-85B1-9E08AD6AE70A}"/>
+              </a:ext>
+            </a:extLst>
+          </p:cNvPr>
+          <p:cNvSpPr/>
+          <p:nvPr/>
+        </p:nvSpPr>
+        <p:spPr>
+          <a:xfrm>
+            <a:off x="889857" y="1591739"/>
+            <a:ext cx="7873143" cy="310316"/>
+          </a:xfrm>
+          <a:prstGeom prst="rect">
+            <a:avLst/>
+          </a:prstGeom>
+          <a:noFill/>
+          <a:ln w="25400"/>
+        </p:spPr>
+        <p:style>
+          <a:lnRef idx="2">
+            <a:schemeClr val="accent1">
+              <a:shade val="50000"/>
+            </a:schemeClr>
+          </a:lnRef>
+          <a:fillRef idx="1">
+            <a:schemeClr val="accent1"/>
+          </a:fillRef>
+          <a:effectRef idx="0">
+            <a:schemeClr val="accent1"/>
+          </a:effectRef>
+          <a:fontRef idx="minor">
+            <a:schemeClr val="lt1"/>
+          </a:fontRef>
+        </p:style>
+        <p:txBody>
+          <a:bodyPr rtlCol="0" anchor="ctr"/>
+          <a:lstStyle/>
+          <a:p>
+            <a:pPr algn="ctr"/>
+            <a:endParaRPr lang="en-US"/>
+          </a:p>
+        </p:txBody>
+      </p:sp>
+    </p:spTree>
+    <p:extLst>
+      <p:ext uri="{BB962C8B-B14F-4D97-AF65-F5344CB8AC3E}">
+        <p14:creationId xmlns:p14="http://schemas.microsoft.com/office/powerpoint/2010/main" val="3287547842"/>
+      </p:ext>
+    </p:extLst>
+  </p:cSld>
+  <p:clrMapOvr>
+    <a:masterClrMapping/>
+  </p:clrMapOvr>
+  <p:timing>
+    <p:tnLst>
+      <p:par>
+        <p:cTn id="1" dur="indefinite" restart="never" nodeType="tmRoot">
+          <p:childTnLst>
+            <p:seq concurrent="1" nextAc="seek">
+              <p:cTn id="2" dur="indefinite" nodeType="mainSeq">
+                <p:childTnLst>
+                  <p:par>
+                    <p:cTn id="3" fill="hold">
+                      <p:stCondLst>
+                        <p:cond delay="indefinite"/>
+                      </p:stCondLst>
+                      <p:childTnLst>
+                        <p:par>
+                          <p:cTn id="4" fill="hold">
+                            <p:stCondLst>
+                              <p:cond delay="0"/>
+                            </p:stCondLst>
+                            <p:childTnLst>
+                              <p:par>
+                                <p:cTn id="5" presetID="6" presetClass="entr" presetSubtype="16" fill="hold" grpId="0" nodeType="clickEffect">
+                                  <p:stCondLst>
+                                    <p:cond delay="0"/>
+                                  </p:stCondLst>
+                                  <p:childTnLst>
+                                    <p:set>
+                                      <p:cBhvr>
+                                        <p:cTn id="6" dur="1" fill="hold">
+                                          <p:stCondLst>
+                                            <p:cond delay="0"/>
+                                          </p:stCondLst>
+                                        </p:cTn>
+                                        <p:tgtEl>
+                                          <p:spTgt spid="6"/>
+                                        </p:tgtEl>
+                                        <p:attrNameLst>
+                                          <p:attrName>style.visibility</p:attrName>
+                                        </p:attrNameLst>
+                                      </p:cBhvr>
+                                      <p:to>
+                                        <p:strVal val="visible"/>
+                                      </p:to>
+                                    </p:set>
+                                    <p:animEffect transition="in" filter="circle(in)">
+                                      <p:cBhvr>
+                                        <p:cTn id="7" dur="2000"/>
+                                        <p:tgtEl>
+                                          <p:spTgt spid="6"/>
+                                        </p:tgtEl>
+                                      </p:cBhvr>
+                                    </p:animEffect>
+                                  </p:childTnLst>
+                                </p:cTn>
+                              </p:par>
+                            </p:childTnLst>
+                          </p:cTn>
+                        </p:par>
+                      </p:childTnLst>
+                    </p:cTn>
+                  </p:par>
+                </p:childTnLst>
+              </p:cTn>
+              <p:prevCondLst>
+                <p:cond evt="onPrev" delay="0">
+                  <p:tgtEl>
+                    <p:sldTgt/>
+                  </p:tgtEl>
+                </p:cond>
+              </p:prevCondLst>
+              <p:nextCondLst>
+                <p:cond evt="onNext" delay="0">
+                  <p:tgtEl>
+                    <p:sldTgt/>
+                  </p:tgtEl>
+                </p:cond>
+              </p:nextCondLst>
+            </p:seq>
+          </p:childTnLst>
+        </p:cTn>
+      </p:par>
+    </p:tnLst>
+    <p:bldLst>
+      <p:bldP spid="6" grpId="0" animBg="1"/>
+    </p:bldLst>
+  </p:timing>
+</p:sld>
+</file>
+
+<file path=ppt/slides/slide18.xml><?xml version="1.0" encoding="utf-8"?>
+<p:sld xmlns:a="http://schemas.openxmlformats.org/drawingml/2006/main" xmlns:r="http://schemas.openxmlformats.org/officeDocument/2006/relationships" xmlns:p="http://schemas.openxmlformats.org/presentationml/2006/main">
+  <p:cSld>
+    <p:spTree>
+      <p:nvGrpSpPr>
+        <p:cNvPr id="1" name=""/>
+        <p:cNvGrpSpPr/>
+        <p:nvPr/>
+      </p:nvGrpSpPr>
+      <p:grpSpPr>
+        <a:xfrm>
+          <a:off x="0" y="0"/>
+          <a:ext cx="0" cy="0"/>
+          <a:chOff x="0" y="0"/>
+          <a:chExt cx="0" cy="0"/>
+        </a:xfrm>
+      </p:grpSpPr>
+      <p:sp>
+        <p:nvSpPr>
           <p:cNvPr id="2" name="Title 1"/>
           <p:cNvSpPr>
             <a:spLocks noGrp="1"/>
@@ -7620,7 +8036,7 @@
 </p:sld>
 </file>
 
-<file path=ppt/slides/slide18.xml><?xml version="1.0" encoding="utf-8"?>
+<file path=ppt/slides/slide19.xml><?xml version="1.0" encoding="utf-8"?>
 <p:sld xmlns:a="http://schemas.openxmlformats.org/drawingml/2006/main" xmlns:r="http://schemas.openxmlformats.org/officeDocument/2006/relationships" xmlns:p="http://schemas.openxmlformats.org/presentationml/2006/main">
   <p:cSld>
     <p:spTree>
@@ -7898,137 +8314,6 @@
 </p:sld>
 </file>
 
-<file path=ppt/slides/slide19.xml><?xml version="1.0" encoding="utf-8"?>
-<p:sld xmlns:a="http://schemas.openxmlformats.org/drawingml/2006/main" xmlns:r="http://schemas.openxmlformats.org/officeDocument/2006/relationships" xmlns:p="http://schemas.openxmlformats.org/presentationml/2006/main">
-  <p:cSld>
-    <p:spTree>
-      <p:nvGrpSpPr>
-        <p:cNvPr id="1" name=""/>
-        <p:cNvGrpSpPr/>
-        <p:nvPr/>
-      </p:nvGrpSpPr>
-      <p:grpSpPr>
-        <a:xfrm>
-          <a:off x="0" y="0"/>
-          <a:ext cx="0" cy="0"/>
-          <a:chOff x="0" y="0"/>
-          <a:chExt cx="0" cy="0"/>
-        </a:xfrm>
-      </p:grpSpPr>
-      <p:sp>
-        <p:nvSpPr>
-          <p:cNvPr id="4" name="Title 1">
-            <a:extLst>
-              <a:ext uri="{FF2B5EF4-FFF2-40B4-BE49-F238E27FC236}">
-                <a16:creationId xmlns:a16="http://schemas.microsoft.com/office/drawing/2014/main" id="{527CE47F-3EF6-48CA-9239-E8B6E5C6B41A}"/>
-              </a:ext>
-            </a:extLst>
-          </p:cNvPr>
-          <p:cNvSpPr>
-            <a:spLocks noGrp="1"/>
-          </p:cNvSpPr>
-          <p:nvPr>
-            <p:ph type="title"/>
-          </p:nvPr>
-        </p:nvSpPr>
-        <p:spPr>
-          <a:xfrm>
-            <a:off x="838200" y="365125"/>
-            <a:ext cx="10515600" cy="1325563"/>
-          </a:xfrm>
-        </p:spPr>
-        <p:txBody>
-          <a:bodyPr>
-            <a:normAutofit/>
-          </a:bodyPr>
-          <a:lstStyle/>
-          <a:p>
-            <a:r>
-              <a:rPr lang="en-US" sz="3600" dirty="0"/>
-              <a:t>Wrap-up</a:t>
-            </a:r>
-          </a:p>
-        </p:txBody>
-      </p:sp>
-      <p:sp>
-        <p:nvSpPr>
-          <p:cNvPr id="5" name="Content Placeholder 2">
-            <a:extLst>
-              <a:ext uri="{FF2B5EF4-FFF2-40B4-BE49-F238E27FC236}">
-                <a16:creationId xmlns:a16="http://schemas.microsoft.com/office/drawing/2014/main" id="{E8F0EA9A-219C-40FD-AE36-784EE1B77D56}"/>
-              </a:ext>
-            </a:extLst>
-          </p:cNvPr>
-          <p:cNvSpPr>
-            <a:spLocks noGrp="1"/>
-          </p:cNvSpPr>
-          <p:nvPr>
-            <p:ph idx="1"/>
-          </p:nvPr>
-        </p:nvSpPr>
-        <p:spPr>
-          <a:xfrm>
-            <a:off x="838198" y="1525772"/>
-            <a:ext cx="10515601" cy="4651191"/>
-          </a:xfrm>
-        </p:spPr>
-        <p:txBody>
-          <a:bodyPr>
-            <a:normAutofit/>
-          </a:bodyPr>
-          <a:lstStyle/>
-          <a:p>
-            <a:pPr marL="0" indent="0">
-              <a:buNone/>
-            </a:pPr>
-            <a:r>
-              <a:rPr lang="en-US" sz="2000" u="sng" dirty="0"/>
-              <a:t>Wrap-up: </a:t>
-            </a:r>
-          </a:p>
-          <a:p>
-            <a:pPr marL="0" indent="0">
-              <a:spcBef>
-                <a:spcPts val="1800"/>
-              </a:spcBef>
-              <a:buNone/>
-            </a:pPr>
-            <a:r>
-              <a:rPr lang="en-US" sz="2000" dirty="0"/>
-              <a:t>I will be available after class if you need anything</a:t>
-            </a:r>
-          </a:p>
-          <a:p>
-            <a:pPr marL="0" indent="0">
-              <a:spcBef>
-                <a:spcPts val="1800"/>
-              </a:spcBef>
-              <a:buNone/>
-            </a:pPr>
-            <a:r>
-              <a:rPr lang="en-US" sz="2000" dirty="0"/>
-              <a:t>Please turn in your Introduction papers – </a:t>
-            </a:r>
-            <a:r>
-              <a:rPr lang="en-US" sz="2000" b="1" dirty="0"/>
-              <a:t>Thank you for participating!</a:t>
-            </a:r>
-          </a:p>
-        </p:txBody>
-      </p:sp>
-    </p:spTree>
-    <p:extLst>
-      <p:ext uri="{BB962C8B-B14F-4D97-AF65-F5344CB8AC3E}">
-        <p14:creationId xmlns:p14="http://schemas.microsoft.com/office/powerpoint/2010/main" val="2036264509"/>
-      </p:ext>
-    </p:extLst>
-  </p:cSld>
-  <p:clrMapOvr>
-    <a:masterClrMapping/>
-  </p:clrMapOvr>
-</p:sld>
-</file>
-
 <file path=ppt/slides/slide2.xml><?xml version="1.0" encoding="utf-8"?>
 <p:sld xmlns:a="http://schemas.openxmlformats.org/drawingml/2006/main" xmlns:r="http://schemas.openxmlformats.org/officeDocument/2006/relationships" xmlns:p="http://schemas.openxmlformats.org/presentationml/2006/main">
   <p:cSld>
@@ -8339,7 +8624,7 @@
           <a:p>
             <a:r>
               <a:rPr lang="en-US" sz="3600" dirty="0"/>
-              <a:t>Assignment</a:t>
+              <a:t>Wrap-up</a:t>
             </a:r>
           </a:p>
         </p:txBody>
@@ -8373,68 +8658,39 @@
           <a:lstStyle/>
           <a:p>
             <a:pPr marL="0" indent="0">
+              <a:buNone/>
+            </a:pPr>
+            <a:r>
+              <a:rPr lang="en-US" sz="2000" u="sng" dirty="0"/>
+              <a:t>Wrap-up: </a:t>
+            </a:r>
+          </a:p>
+          <a:p>
+            <a:pPr marL="0" indent="0">
               <a:spcBef>
-                <a:spcPts val="4800"/>
+                <a:spcPts val="1800"/>
               </a:spcBef>
               <a:buNone/>
             </a:pPr>
             <a:r>
-              <a:rPr lang="en-US" sz="2000" u="sng" dirty="0"/>
-              <a:t>Assignment (before next class):</a:t>
-            </a:r>
-          </a:p>
-          <a:p>
-            <a:r>
               <a:rPr lang="en-US" sz="2000" dirty="0"/>
-              <a:t>Review Syllabus thoroughly  </a:t>
-            </a:r>
-          </a:p>
-          <a:p>
+              <a:t>I will be available after class if you need anything</a:t>
+            </a:r>
+          </a:p>
+          <a:p>
+            <a:pPr marL="0" indent="0">
+              <a:spcBef>
+                <a:spcPts val="1800"/>
+              </a:spcBef>
+              <a:buNone/>
+            </a:pPr>
             <a:r>
               <a:rPr lang="en-US" sz="2000" dirty="0"/>
-              <a:t>Read Ch.1.1 through 1.5 of Programming the World Wide Web 8th Edition, Robert W. Sebesta</a:t>
-            </a:r>
-          </a:p>
-          <a:p>
-            <a:r>
-              <a:rPr lang="en-US" sz="2000" dirty="0"/>
-              <a:t>Prepare for Wednesday Lab by verifying  access to:</a:t>
-            </a:r>
-          </a:p>
-          <a:p>
-            <a:pPr marL="800100" lvl="1" indent="-342900">
-              <a:buFont typeface="+mj-lt"/>
-              <a:buAutoNum type="arabicPeriod"/>
-            </a:pPr>
-            <a:r>
-              <a:rPr lang="en-US" sz="1600" dirty="0"/>
-              <a:t>Personal laptop or a lab computer</a:t>
-            </a:r>
-          </a:p>
-          <a:p>
-            <a:pPr marL="800100" lvl="1" indent="-342900">
-              <a:buFont typeface="+mj-lt"/>
-              <a:buAutoNum type="arabicPeriod"/>
-            </a:pPr>
-            <a:r>
-              <a:rPr lang="en-US" sz="1600" dirty="0"/>
-              <a:t>Web browser</a:t>
-            </a:r>
-          </a:p>
-          <a:p>
-            <a:pPr marL="800100" lvl="1" indent="-342900">
-              <a:buFont typeface="+mj-lt"/>
-              <a:buAutoNum type="arabicPeriod"/>
-            </a:pPr>
-            <a:r>
-              <a:rPr lang="en-US" sz="1600" dirty="0"/>
-              <a:t>Text editor</a:t>
-            </a:r>
-          </a:p>
-          <a:p>
-            <a:r>
-              <a:rPr lang="en-US" sz="2000" dirty="0"/>
-              <a:t>Come ready to discuss on Wednesday</a:t>
+              <a:t>Please turn in your Introduction papers – </a:t>
+            </a:r>
+            <a:r>
+              <a:rPr lang="en-US" sz="2000" b="1" dirty="0"/>
+              <a:t>Thank you for participating!</a:t>
             </a:r>
           </a:p>
         </p:txBody>
@@ -8442,7 +8698,7 @@
     </p:spTree>
     <p:extLst>
       <p:ext uri="{BB962C8B-B14F-4D97-AF65-F5344CB8AC3E}">
-        <p14:creationId xmlns:p14="http://schemas.microsoft.com/office/powerpoint/2010/main" val="581885093"/>
+        <p14:creationId xmlns:p14="http://schemas.microsoft.com/office/powerpoint/2010/main" val="2036264509"/>
       </p:ext>
     </p:extLst>
   </p:cSld>
@@ -8471,6 +8727,166 @@
       </p:grpSpPr>
       <p:sp>
         <p:nvSpPr>
+          <p:cNvPr id="4" name="Title 1">
+            <a:extLst>
+              <a:ext uri="{FF2B5EF4-FFF2-40B4-BE49-F238E27FC236}">
+                <a16:creationId xmlns:a16="http://schemas.microsoft.com/office/drawing/2014/main" id="{527CE47F-3EF6-48CA-9239-E8B6E5C6B41A}"/>
+              </a:ext>
+            </a:extLst>
+          </p:cNvPr>
+          <p:cNvSpPr>
+            <a:spLocks noGrp="1"/>
+          </p:cNvSpPr>
+          <p:nvPr>
+            <p:ph type="title"/>
+          </p:nvPr>
+        </p:nvSpPr>
+        <p:spPr>
+          <a:xfrm>
+            <a:off x="838200" y="365125"/>
+            <a:ext cx="10515600" cy="1325563"/>
+          </a:xfrm>
+        </p:spPr>
+        <p:txBody>
+          <a:bodyPr>
+            <a:normAutofit/>
+          </a:bodyPr>
+          <a:lstStyle/>
+          <a:p>
+            <a:r>
+              <a:rPr lang="en-US" sz="3600" dirty="0"/>
+              <a:t>Assignment</a:t>
+            </a:r>
+          </a:p>
+        </p:txBody>
+      </p:sp>
+      <p:sp>
+        <p:nvSpPr>
+          <p:cNvPr id="5" name="Content Placeholder 2">
+            <a:extLst>
+              <a:ext uri="{FF2B5EF4-FFF2-40B4-BE49-F238E27FC236}">
+                <a16:creationId xmlns:a16="http://schemas.microsoft.com/office/drawing/2014/main" id="{E8F0EA9A-219C-40FD-AE36-784EE1B77D56}"/>
+              </a:ext>
+            </a:extLst>
+          </p:cNvPr>
+          <p:cNvSpPr>
+            <a:spLocks noGrp="1"/>
+          </p:cNvSpPr>
+          <p:nvPr>
+            <p:ph idx="1"/>
+          </p:nvPr>
+        </p:nvSpPr>
+        <p:spPr>
+          <a:xfrm>
+            <a:off x="838198" y="1525772"/>
+            <a:ext cx="10515601" cy="4651191"/>
+          </a:xfrm>
+        </p:spPr>
+        <p:txBody>
+          <a:bodyPr>
+            <a:normAutofit/>
+          </a:bodyPr>
+          <a:lstStyle/>
+          <a:p>
+            <a:pPr marL="0" indent="0">
+              <a:spcBef>
+                <a:spcPts val="4800"/>
+              </a:spcBef>
+              <a:buNone/>
+            </a:pPr>
+            <a:r>
+              <a:rPr lang="en-US" sz="2000" u="sng" dirty="0"/>
+              <a:t>Assignment (before next class):</a:t>
+            </a:r>
+          </a:p>
+          <a:p>
+            <a:r>
+              <a:rPr lang="en-US" sz="2000" dirty="0"/>
+              <a:t>Review Syllabus thoroughly  </a:t>
+            </a:r>
+          </a:p>
+          <a:p>
+            <a:r>
+              <a:rPr lang="en-US" sz="2000" dirty="0"/>
+              <a:t>Read Ch.1.1 through 1.5 of Programming the World Wide Web 8th Edition, Robert W. Sebesta</a:t>
+            </a:r>
+          </a:p>
+          <a:p>
+            <a:r>
+              <a:rPr lang="en-US" sz="2000" dirty="0"/>
+              <a:t>Prepare for Wednesday Lab by verifying  access to:</a:t>
+            </a:r>
+          </a:p>
+          <a:p>
+            <a:pPr marL="800100" lvl="1" indent="-342900">
+              <a:buFont typeface="+mj-lt"/>
+              <a:buAutoNum type="arabicPeriod"/>
+            </a:pPr>
+            <a:r>
+              <a:rPr lang="en-US" sz="1600" dirty="0"/>
+              <a:t>Personal laptop or a lab computer</a:t>
+            </a:r>
+          </a:p>
+          <a:p>
+            <a:pPr marL="800100" lvl="1" indent="-342900">
+              <a:buFont typeface="+mj-lt"/>
+              <a:buAutoNum type="arabicPeriod"/>
+            </a:pPr>
+            <a:r>
+              <a:rPr lang="en-US" sz="1600" dirty="0"/>
+              <a:t>Web browser</a:t>
+            </a:r>
+          </a:p>
+          <a:p>
+            <a:pPr marL="800100" lvl="1" indent="-342900">
+              <a:buFont typeface="+mj-lt"/>
+              <a:buAutoNum type="arabicPeriod"/>
+            </a:pPr>
+            <a:r>
+              <a:rPr lang="en-US" sz="1600" dirty="0"/>
+              <a:t>Text editor</a:t>
+            </a:r>
+          </a:p>
+          <a:p>
+            <a:r>
+              <a:rPr lang="en-US" sz="2000" dirty="0"/>
+              <a:t>Come ready to discuss on Wednesday</a:t>
+            </a:r>
+          </a:p>
+        </p:txBody>
+      </p:sp>
+    </p:spTree>
+    <p:extLst>
+      <p:ext uri="{BB962C8B-B14F-4D97-AF65-F5344CB8AC3E}">
+        <p14:creationId xmlns:p14="http://schemas.microsoft.com/office/powerpoint/2010/main" val="581885093"/>
+      </p:ext>
+    </p:extLst>
+  </p:cSld>
+  <p:clrMapOvr>
+    <a:masterClrMapping/>
+  </p:clrMapOvr>
+</p:sld>
+</file>
+
+<file path=ppt/slides/slide22.xml><?xml version="1.0" encoding="utf-8"?>
+<p:sld xmlns:a="http://schemas.openxmlformats.org/drawingml/2006/main" xmlns:r="http://schemas.openxmlformats.org/officeDocument/2006/relationships" xmlns:p="http://schemas.openxmlformats.org/presentationml/2006/main">
+  <p:cSld>
+    <p:spTree>
+      <p:nvGrpSpPr>
+        <p:cNvPr id="1" name=""/>
+        <p:cNvGrpSpPr/>
+        <p:nvPr/>
+      </p:nvGrpSpPr>
+      <p:grpSpPr>
+        <a:xfrm>
+          <a:off x="0" y="0"/>
+          <a:ext cx="0" cy="0"/>
+          <a:chOff x="0" y="0"/>
+          <a:chExt cx="0" cy="0"/>
+        </a:xfrm>
+      </p:grpSpPr>
+      <p:sp>
+        <p:nvSpPr>
           <p:cNvPr id="2" name="Title 1"/>
           <p:cNvSpPr>
             <a:spLocks noGrp="1"/>
@@ -8511,7 +8927,7 @@
 </p:sld>
 </file>
 
-<file path=ppt/slides/slide22.xml><?xml version="1.0" encoding="utf-8"?>
+<file path=ppt/slides/slide23.xml><?xml version="1.0" encoding="utf-8"?>
 <p:sld xmlns:a="http://schemas.openxmlformats.org/drawingml/2006/main" xmlns:r="http://schemas.openxmlformats.org/officeDocument/2006/relationships" xmlns:p="http://schemas.openxmlformats.org/presentationml/2006/main">
   <p:cSld>
     <p:bg>
@@ -8617,7 +9033,7 @@
 </p:sld>
 </file>
 
-<file path=ppt/slides/slide23.xml><?xml version="1.0" encoding="utf-8"?>
+<file path=ppt/slides/slide24.xml><?xml version="1.0" encoding="utf-8"?>
 <p:sld xmlns:a="http://schemas.openxmlformats.org/drawingml/2006/main" xmlns:r="http://schemas.openxmlformats.org/officeDocument/2006/relationships" xmlns:p="http://schemas.openxmlformats.org/presentationml/2006/main">
   <p:cSld>
     <p:spTree>
@@ -8647,7 +9063,7 @@
 </p:sld>
 </file>
 
-<file path=ppt/slides/slide24.xml><?xml version="1.0" encoding="utf-8"?>
+<file path=ppt/slides/slide25.xml><?xml version="1.0" encoding="utf-8"?>
 <p:sld xmlns:a="http://schemas.openxmlformats.org/drawingml/2006/main" xmlns:r="http://schemas.openxmlformats.org/officeDocument/2006/relationships" xmlns:p="http://schemas.openxmlformats.org/presentationml/2006/main">
   <p:cSld>
     <p:spTree>
@@ -8747,7 +9163,7 @@
 </p:sld>
 </file>
 
-<file path=ppt/slides/slide25.xml><?xml version="1.0" encoding="utf-8"?>
+<file path=ppt/slides/slide26.xml><?xml version="1.0" encoding="utf-8"?>
 <p:sld xmlns:a="http://schemas.openxmlformats.org/drawingml/2006/main" xmlns:r="http://schemas.openxmlformats.org/officeDocument/2006/relationships" xmlns:p="http://schemas.openxmlformats.org/presentationml/2006/main">
   <p:cSld>
     <p:spTree>
@@ -9333,7 +9749,7 @@
 </p:sld>
 </file>
 
-<file path=ppt/slides/slide26.xml><?xml version="1.0" encoding="utf-8"?>
+<file path=ppt/slides/slide27.xml><?xml version="1.0" encoding="utf-8"?>
 <p:sld xmlns:a="http://schemas.openxmlformats.org/drawingml/2006/main" xmlns:r="http://schemas.openxmlformats.org/officeDocument/2006/relationships" xmlns:p="http://schemas.openxmlformats.org/presentationml/2006/main">
   <p:cSld>
     <p:spTree>
@@ -9436,233 +9852,40 @@
           <a:chExt cx="0" cy="0"/>
         </a:xfrm>
       </p:grpSpPr>
-      <p:sp>
-        <p:nvSpPr>
-          <p:cNvPr id="4" name="Title 1">
-            <a:extLst>
-              <a:ext uri="{FF2B5EF4-FFF2-40B4-BE49-F238E27FC236}">
-                <a16:creationId xmlns:a16="http://schemas.microsoft.com/office/drawing/2014/main" id="{71AB7F5B-4495-498D-9228-FE0FCE273C43}"/>
-              </a:ext>
-            </a:extLst>
-          </p:cNvPr>
-          <p:cNvSpPr>
-            <a:spLocks noGrp="1"/>
-          </p:cNvSpPr>
-          <p:nvPr>
-            <p:ph type="title"/>
-          </p:nvPr>
-        </p:nvSpPr>
+      <p:pic>
+        <p:nvPicPr>
+          <p:cNvPr id="7" name="Picture 6">
+            <a:extLst>
+              <a:ext uri="{FF2B5EF4-FFF2-40B4-BE49-F238E27FC236}">
+                <a16:creationId xmlns:a16="http://schemas.microsoft.com/office/drawing/2014/main" id="{B27BC3F7-E165-426C-ABF0-B509B299C4F6}"/>
+              </a:ext>
+            </a:extLst>
+          </p:cNvPr>
+          <p:cNvPicPr>
+            <a:picLocks noChangeAspect="1"/>
+          </p:cNvPicPr>
+          <p:nvPr/>
+        </p:nvPicPr>
+        <p:blipFill>
+          <a:blip r:embed="rId3"/>
+          <a:stretch>
+            <a:fillRect/>
+          </a:stretch>
+        </p:blipFill>
         <p:spPr>
           <a:xfrm>
-            <a:off x="838200" y="474626"/>
-            <a:ext cx="10515600" cy="757272"/>
+            <a:off x="3442252" y="0"/>
+            <a:ext cx="5307496" cy="6858000"/>
           </a:xfrm>
+          <a:prstGeom prst="rect">
+            <a:avLst/>
+          </a:prstGeom>
         </p:spPr>
-        <p:txBody>
-          <a:bodyPr>
-            <a:normAutofit/>
-          </a:bodyPr>
-          <a:lstStyle/>
-          <a:p>
-            <a:r>
-              <a:rPr lang="en-US" sz="3600" dirty="0"/>
-              <a:t>Welcome &amp; Introductions</a:t>
-            </a:r>
-            <a:endParaRPr lang="en-US" sz="3600" b="1" i="1" u="sng" dirty="0"/>
-          </a:p>
-        </p:txBody>
-      </p:sp>
-      <p:sp>
-        <p:nvSpPr>
-          <p:cNvPr id="5" name="Content Placeholder 2">
-            <a:extLst>
-              <a:ext uri="{FF2B5EF4-FFF2-40B4-BE49-F238E27FC236}">
-                <a16:creationId xmlns:a16="http://schemas.microsoft.com/office/drawing/2014/main" id="{A3AEDF17-A7EB-42B8-A3CF-77C0E99B49FB}"/>
-              </a:ext>
-            </a:extLst>
-          </p:cNvPr>
-          <p:cNvSpPr>
-            <a:spLocks noGrp="1"/>
-          </p:cNvSpPr>
-          <p:nvPr>
-            <p:ph idx="1"/>
-          </p:nvPr>
-        </p:nvSpPr>
-        <p:spPr>
-          <a:xfrm>
-            <a:off x="838199" y="1231898"/>
-            <a:ext cx="10882745" cy="5030679"/>
-          </a:xfrm>
-        </p:spPr>
-        <p:txBody>
-          <a:bodyPr>
-            <a:normAutofit/>
-          </a:bodyPr>
-          <a:lstStyle/>
-          <a:p>
-            <a:pPr marL="0" indent="0">
-              <a:spcBef>
-                <a:spcPts val="1800"/>
-              </a:spcBef>
-              <a:buNone/>
-            </a:pPr>
-            <a:endParaRPr lang="en-US" sz="2000" dirty="0"/>
-          </a:p>
-          <a:p>
-            <a:pPr marL="0" indent="0">
-              <a:spcBef>
-                <a:spcPts val="1800"/>
-              </a:spcBef>
-              <a:buNone/>
-            </a:pPr>
-            <a:r>
-              <a:rPr lang="en-US" sz="2000" dirty="0"/>
-              <a:t>Full and Preferred Name:</a:t>
-            </a:r>
-          </a:p>
-          <a:p>
-            <a:pPr marL="0" indent="0">
-              <a:spcBef>
-                <a:spcPts val="600"/>
-              </a:spcBef>
-              <a:buNone/>
-            </a:pPr>
-            <a:r>
-              <a:rPr lang="en-US" sz="2000" dirty="0"/>
-              <a:t>	</a:t>
-            </a:r>
-            <a:r>
-              <a:rPr lang="en-US" sz="2000" b="1" dirty="0"/>
-              <a:t>Eric Pogue</a:t>
-            </a:r>
-          </a:p>
-          <a:p>
-            <a:pPr marL="0" indent="0">
-              <a:spcBef>
-                <a:spcPts val="600"/>
-              </a:spcBef>
-              <a:buNone/>
-            </a:pPr>
-            <a:r>
-              <a:rPr lang="en-US" sz="2000" b="1" dirty="0"/>
-              <a:t>	Eric, Mr. Pogue, or Professor </a:t>
-            </a:r>
-          </a:p>
-          <a:p>
-            <a:pPr marL="0" indent="0">
-              <a:spcBef>
-                <a:spcPts val="2400"/>
-              </a:spcBef>
-              <a:buNone/>
-            </a:pPr>
-            <a:r>
-              <a:rPr lang="en-US" sz="2000" dirty="0"/>
-              <a:t>Family, Home, College background:</a:t>
-            </a:r>
-          </a:p>
-          <a:p>
-            <a:pPr marL="0" indent="0">
-              <a:spcBef>
-                <a:spcPts val="600"/>
-              </a:spcBef>
-              <a:buNone/>
-            </a:pPr>
-            <a:r>
-              <a:rPr lang="en-US" sz="2000" dirty="0"/>
-              <a:t>	</a:t>
-            </a:r>
-            <a:r>
-              <a:rPr lang="en-US" sz="2000" b="1" dirty="0"/>
-              <a:t>Married with four+ children, recently relocated from Davenport, IA to Chicago area</a:t>
-            </a:r>
-          </a:p>
-          <a:p>
-            <a:pPr marL="0" indent="0">
-              <a:spcBef>
-                <a:spcPts val="600"/>
-              </a:spcBef>
-              <a:buNone/>
-            </a:pPr>
-            <a:r>
-              <a:rPr lang="en-US" sz="2000" b="1" dirty="0"/>
-              <a:t>	Undergraduate in CS and Masters in Business… teaching in the evening for many years</a:t>
-            </a:r>
-          </a:p>
-          <a:p>
-            <a:pPr marL="0" indent="0">
-              <a:spcBef>
-                <a:spcPts val="2400"/>
-              </a:spcBef>
-              <a:buNone/>
-            </a:pPr>
-            <a:r>
-              <a:rPr lang="en-US" sz="2000" dirty="0"/>
-              <a:t>Programming experience:</a:t>
-            </a:r>
-          </a:p>
-          <a:p>
-            <a:pPr marL="0" indent="0">
-              <a:spcBef>
-                <a:spcPts val="600"/>
-              </a:spcBef>
-              <a:buNone/>
-            </a:pPr>
-            <a:r>
-              <a:rPr lang="en-US" sz="2000" dirty="0"/>
-              <a:t>	</a:t>
-            </a:r>
-            <a:r>
-              <a:rPr lang="en-US" sz="2000" b="1" dirty="0"/>
-              <a:t>Decades in the industry as a developer, architect, project manager, manager, </a:t>
-            </a:r>
-            <a:r>
-              <a:rPr lang="en-US" sz="2000" b="1" dirty="0" err="1"/>
-              <a:t>vp</a:t>
-            </a:r>
-            <a:endParaRPr lang="en-US" sz="2000" b="1" dirty="0"/>
-          </a:p>
-          <a:p>
-            <a:pPr marL="0" indent="0">
-              <a:spcBef>
-                <a:spcPts val="600"/>
-              </a:spcBef>
-              <a:buNone/>
-            </a:pPr>
-            <a:r>
-              <a:rPr lang="en-US" sz="2000" b="1" dirty="0"/>
-              <a:t>	Part of many teams that have delivered products to ten’s of millions of customers globally</a:t>
-            </a:r>
-          </a:p>
-          <a:p>
-            <a:pPr marL="0" indent="0">
-              <a:spcBef>
-                <a:spcPts val="600"/>
-              </a:spcBef>
-              <a:buNone/>
-            </a:pPr>
-            <a:r>
-              <a:rPr lang="en-US" sz="2000" b="1" dirty="0"/>
-              <a:t>	Parsons Technology, Intuit, The Learning Company,  Jasc Software, and John Deere</a:t>
-            </a:r>
-          </a:p>
-          <a:p>
-            <a:pPr marL="0" indent="0">
-              <a:spcBef>
-                <a:spcPts val="600"/>
-              </a:spcBef>
-              <a:buNone/>
-            </a:pPr>
-            <a:r>
-              <a:rPr lang="en-US" sz="2000" b="1" dirty="0"/>
-              <a:t>	… and currently working on a startup with my oldest son</a:t>
-            </a:r>
-          </a:p>
-        </p:txBody>
-      </p:sp>
+      </p:pic>
     </p:spTree>
     <p:extLst>
       <p:ext uri="{BB962C8B-B14F-4D97-AF65-F5344CB8AC3E}">
-        <p14:creationId xmlns:p14="http://schemas.microsoft.com/office/powerpoint/2010/main" val="2715834079"/>
+        <p14:creationId xmlns:p14="http://schemas.microsoft.com/office/powerpoint/2010/main" val="1667025152"/>
       </p:ext>
     </p:extLst>
   </p:cSld>
@@ -9755,13 +9978,22 @@
           <a:p>
             <a:pPr marL="0" indent="0">
               <a:spcBef>
-                <a:spcPts val="2400"/>
+                <a:spcPts val="1800"/>
               </a:spcBef>
               <a:buNone/>
             </a:pPr>
+            <a:endParaRPr lang="en-US" sz="2000" dirty="0"/>
+          </a:p>
+          <a:p>
+            <a:pPr marL="0" indent="0">
+              <a:spcBef>
+                <a:spcPts val="1800"/>
+              </a:spcBef>
+              <a:buNone/>
+            </a:pPr>
             <a:r>
               <a:rPr lang="en-US" sz="2000" dirty="0"/>
-              <a:t>Likely programming environment</a:t>
+              <a:t>Full and Preferred Name:</a:t>
             </a:r>
           </a:p>
           <a:p>
@@ -9777,7 +10009,19 @@
             </a:r>
             <a:r>
               <a:rPr lang="en-US" sz="2000" b="1" dirty="0"/>
-              <a:t>Personal Laptop/Tablet, Windows 10, Chrome browser, and Visual Studio Code text editor </a:t>
+              <a:t>Eric Pogue</a:t>
+            </a:r>
+          </a:p>
+          <a:p>
+            <a:pPr marL="0" indent="0">
+              <a:spcBef>
+                <a:spcPts val="600"/>
+              </a:spcBef>
+              <a:buNone/>
+            </a:pPr>
+            <a:r>
+              <a:rPr lang="en-US" sz="2000" b="1" dirty="0"/>
+              <a:t>	Eric, Mr. Pogue, or Professor </a:t>
             </a:r>
           </a:p>
           <a:p>
@@ -9789,7 +10033,7 @@
             </a:pPr>
             <a:r>
               <a:rPr lang="en-US" sz="2000" dirty="0"/>
-              <a:t>Hobbies:</a:t>
+              <a:t>Family, Home, College background:</a:t>
             </a:r>
           </a:p>
           <a:p>
@@ -9805,82 +10049,19 @@
             </a:r>
             <a:r>
               <a:rPr lang="en-US" sz="2000" b="1" dirty="0"/>
-              <a:t>Wilderness Canoeing &amp; Camping (</a:t>
-            </a:r>
-            <a:r>
-              <a:rPr lang="en-US" sz="2000" b="1" dirty="0" err="1"/>
-              <a:t>Quetico</a:t>
-            </a:r>
-            <a:r>
-              <a:rPr lang="en-US" sz="2000" b="1" dirty="0"/>
-              <a:t>) and Triathlons</a:t>
+              <a:t>Married with four+ children, recently relocated from Davenport, IA to Chicago area</a:t>
             </a:r>
           </a:p>
           <a:p>
             <a:pPr marL="0" indent="0">
               <a:spcBef>
-                <a:spcPts val="2400"/>
+                <a:spcPts val="600"/>
               </a:spcBef>
-              <a:spcAft>
-                <a:spcPts val="600"/>
-              </a:spcAft>
               <a:buNone/>
             </a:pPr>
             <a:r>
-              <a:rPr lang="en-US" sz="2000" dirty="0"/>
-              <a:t>Top two or three things that you would like to get out of this class</a:t>
-            </a:r>
-          </a:p>
-          <a:p>
-            <a:pPr lvl="2">
-              <a:spcBef>
-                <a:spcPts val="0"/>
-              </a:spcBef>
-              <a:buFont typeface="Wingdings" panose="05000000000000000000" pitchFamily="2" charset="2"/>
-              <a:buChar char="§"/>
-            </a:pPr>
-            <a:r>
-              <a:rPr lang="en-US" b="1" dirty="0"/>
-              <a:t>help each of you be successful in this class </a:t>
-            </a:r>
-          </a:p>
-          <a:p>
-            <a:pPr lvl="2">
-              <a:spcBef>
-                <a:spcPts val="0"/>
-              </a:spcBef>
-              <a:buFont typeface="Wingdings" panose="05000000000000000000" pitchFamily="2" charset="2"/>
-              <a:buChar char="§"/>
-            </a:pPr>
-            <a:r>
-              <a:rPr lang="en-US" b="1" dirty="0"/>
-              <a:t>explore software development techniques together and inspire you to look deeper</a:t>
-            </a:r>
-          </a:p>
-          <a:p>
-            <a:pPr lvl="2">
-              <a:spcBef>
-                <a:spcPts val="0"/>
-              </a:spcBef>
-              <a:buFont typeface="Wingdings" panose="05000000000000000000" pitchFamily="2" charset="2"/>
-              <a:buChar char="§"/>
-            </a:pPr>
-            <a:r>
-              <a:rPr lang="en-US" b="1" dirty="0"/>
-              <a:t>and for us to find a little enjoyment and fun along the way* </a:t>
-            </a:r>
-          </a:p>
-          <a:p>
-            <a:pPr lvl="2">
-              <a:spcBef>
-                <a:spcPts val="0"/>
-              </a:spcBef>
-              <a:buFont typeface="Wingdings" panose="05000000000000000000" pitchFamily="2" charset="2"/>
-              <a:buChar char="§"/>
-            </a:pPr>
-            <a:r>
-              <a:rPr lang="en-US" b="1" dirty="0"/>
-              <a:t>… oh yes, and it would be wonderful if I could help you build something that made you proud during the semester</a:t>
+              <a:rPr lang="en-US" sz="2000" b="1" dirty="0"/>
+              <a:t>	Undergraduate in CS and Masters in Business… teaching online/evening for many years</a:t>
             </a:r>
           </a:p>
           <a:p>
@@ -9892,7 +10073,7 @@
             </a:pPr>
             <a:r>
               <a:rPr lang="en-US" sz="2000" dirty="0"/>
-              <a:t>Fun Fact:</a:t>
+              <a:t>Programming experience:</a:t>
             </a:r>
           </a:p>
           <a:p>
@@ -9908,7 +10089,48 @@
             </a:r>
             <a:r>
               <a:rPr lang="en-US" sz="2000" b="1" dirty="0"/>
-              <a:t>At one point I had the very dubious “honor” or being the most traveled John Deere 	employee to India with just over 40 trips over 5-6 years</a:t>
+              <a:t>Decades in the industry as a developer, architect, project manager, manager, </a:t>
+            </a:r>
+            <a:r>
+              <a:rPr lang="en-US" sz="2000" b="1" dirty="0" err="1"/>
+              <a:t>vp</a:t>
+            </a:r>
+            <a:endParaRPr lang="en-US" sz="2000" b="1" dirty="0"/>
+          </a:p>
+          <a:p>
+            <a:pPr marL="0" indent="0">
+              <a:spcBef>
+                <a:spcPts val="600"/>
+              </a:spcBef>
+              <a:buNone/>
+            </a:pPr>
+            <a:r>
+              <a:rPr lang="en-US" sz="2000" b="1" dirty="0"/>
+              <a:t>	Part of many teams that have delivered products to ten’s of millions of customers globally</a:t>
+            </a:r>
+          </a:p>
+          <a:p>
+            <a:pPr marL="0" indent="0">
+              <a:spcBef>
+                <a:spcPts val="600"/>
+              </a:spcBef>
+              <a:buNone/>
+            </a:pPr>
+            <a:r>
+              <a:rPr lang="en-US" sz="2000" b="1" dirty="0"/>
+              <a:t>	Parsons Technology, Intuit, The Learning Company,  Jasc Software, and John Deere</a:t>
+            </a:r>
+          </a:p>
+          <a:p>
+            <a:pPr marL="0" indent="0">
+              <a:spcBef>
+                <a:spcPts val="600"/>
+              </a:spcBef>
+              <a:buNone/>
+            </a:pPr>
+            <a:r>
+              <a:rPr lang="en-US" sz="2000" b="1" dirty="0"/>
+              <a:t>	… and currently working on a startup with my oldest son</a:t>
             </a:r>
           </a:p>
         </p:txBody>
@@ -9916,7 +10138,7 @@
     </p:spTree>
     <p:extLst>
       <p:ext uri="{BB962C8B-B14F-4D97-AF65-F5344CB8AC3E}">
-        <p14:creationId xmlns:p14="http://schemas.microsoft.com/office/powerpoint/2010/main" val="824753410"/>
+        <p14:creationId xmlns:p14="http://schemas.microsoft.com/office/powerpoint/2010/main" val="2715834079"/>
       </p:ext>
     </p:extLst>
   </p:cSld>
@@ -9943,40 +10165,234 @@
           <a:chExt cx="0" cy="0"/>
         </a:xfrm>
       </p:grpSpPr>
-      <p:pic>
-        <p:nvPicPr>
-          <p:cNvPr id="7" name="Picture 6">
-            <a:extLst>
-              <a:ext uri="{FF2B5EF4-FFF2-40B4-BE49-F238E27FC236}">
-                <a16:creationId xmlns:a16="http://schemas.microsoft.com/office/drawing/2014/main" id="{B27BC3F7-E165-426C-ABF0-B509B299C4F6}"/>
-              </a:ext>
-            </a:extLst>
-          </p:cNvPr>
-          <p:cNvPicPr>
-            <a:picLocks noChangeAspect="1"/>
-          </p:cNvPicPr>
-          <p:nvPr/>
-        </p:nvPicPr>
-        <p:blipFill>
-          <a:blip r:embed="rId3"/>
-          <a:stretch>
-            <a:fillRect/>
-          </a:stretch>
-        </p:blipFill>
+      <p:sp>
+        <p:nvSpPr>
+          <p:cNvPr id="4" name="Title 1">
+            <a:extLst>
+              <a:ext uri="{FF2B5EF4-FFF2-40B4-BE49-F238E27FC236}">
+                <a16:creationId xmlns:a16="http://schemas.microsoft.com/office/drawing/2014/main" id="{71AB7F5B-4495-498D-9228-FE0FCE273C43}"/>
+              </a:ext>
+            </a:extLst>
+          </p:cNvPr>
+          <p:cNvSpPr>
+            <a:spLocks noGrp="1"/>
+          </p:cNvSpPr>
+          <p:nvPr>
+            <p:ph type="title"/>
+          </p:nvPr>
+        </p:nvSpPr>
         <p:spPr>
           <a:xfrm>
-            <a:off x="3442252" y="0"/>
-            <a:ext cx="5307496" cy="6858000"/>
+            <a:off x="838200" y="474626"/>
+            <a:ext cx="10515600" cy="757272"/>
           </a:xfrm>
-          <a:prstGeom prst="rect">
-            <a:avLst/>
-          </a:prstGeom>
         </p:spPr>
-      </p:pic>
+        <p:txBody>
+          <a:bodyPr>
+            <a:normAutofit/>
+          </a:bodyPr>
+          <a:lstStyle/>
+          <a:p>
+            <a:r>
+              <a:rPr lang="en-US" sz="3600" dirty="0"/>
+              <a:t>Welcome &amp; Introductions</a:t>
+            </a:r>
+            <a:endParaRPr lang="en-US" sz="3600" b="1" i="1" u="sng" dirty="0"/>
+          </a:p>
+        </p:txBody>
+      </p:sp>
+      <p:sp>
+        <p:nvSpPr>
+          <p:cNvPr id="5" name="Content Placeholder 2">
+            <a:extLst>
+              <a:ext uri="{FF2B5EF4-FFF2-40B4-BE49-F238E27FC236}">
+                <a16:creationId xmlns:a16="http://schemas.microsoft.com/office/drawing/2014/main" id="{A3AEDF17-A7EB-42B8-A3CF-77C0E99B49FB}"/>
+              </a:ext>
+            </a:extLst>
+          </p:cNvPr>
+          <p:cNvSpPr>
+            <a:spLocks noGrp="1"/>
+          </p:cNvSpPr>
+          <p:nvPr>
+            <p:ph idx="1"/>
+          </p:nvPr>
+        </p:nvSpPr>
+        <p:spPr>
+          <a:xfrm>
+            <a:off x="838199" y="1231898"/>
+            <a:ext cx="10882745" cy="5030679"/>
+          </a:xfrm>
+        </p:spPr>
+        <p:txBody>
+          <a:bodyPr>
+            <a:normAutofit/>
+          </a:bodyPr>
+          <a:lstStyle/>
+          <a:p>
+            <a:pPr marL="0" indent="0">
+              <a:spcBef>
+                <a:spcPts val="2400"/>
+              </a:spcBef>
+              <a:buNone/>
+            </a:pPr>
+            <a:r>
+              <a:rPr lang="en-US" sz="2000" dirty="0"/>
+              <a:t>Likely programming environment</a:t>
+            </a:r>
+          </a:p>
+          <a:p>
+            <a:pPr marL="0" indent="0">
+              <a:spcBef>
+                <a:spcPts val="600"/>
+              </a:spcBef>
+              <a:buNone/>
+            </a:pPr>
+            <a:r>
+              <a:rPr lang="en-US" sz="2000" dirty="0"/>
+              <a:t>	</a:t>
+            </a:r>
+            <a:r>
+              <a:rPr lang="en-US" sz="2000" b="1" dirty="0"/>
+              <a:t>Personal Laptop/Tablet, Windows 10, Chrome browser, and Visual Studio Code text editor </a:t>
+            </a:r>
+          </a:p>
+          <a:p>
+            <a:pPr marL="0" indent="0">
+              <a:spcBef>
+                <a:spcPts val="2400"/>
+              </a:spcBef>
+              <a:buNone/>
+            </a:pPr>
+            <a:r>
+              <a:rPr lang="en-US" sz="2000" dirty="0"/>
+              <a:t>Hobbies:</a:t>
+            </a:r>
+          </a:p>
+          <a:p>
+            <a:pPr marL="0" indent="0">
+              <a:spcBef>
+                <a:spcPts val="600"/>
+              </a:spcBef>
+              <a:buNone/>
+            </a:pPr>
+            <a:r>
+              <a:rPr lang="en-US" sz="2000" dirty="0"/>
+              <a:t>	</a:t>
+            </a:r>
+            <a:r>
+              <a:rPr lang="en-US" sz="2000" b="1" dirty="0"/>
+              <a:t>Wilderness Canoeing &amp; Camping (</a:t>
+            </a:r>
+            <a:r>
+              <a:rPr lang="en-US" sz="2000" b="1" dirty="0" err="1"/>
+              <a:t>Quetico</a:t>
+            </a:r>
+            <a:r>
+              <a:rPr lang="en-US" sz="2000" b="1" dirty="0"/>
+              <a:t>) and Triathlons</a:t>
+            </a:r>
+          </a:p>
+          <a:p>
+            <a:pPr marL="0" indent="0">
+              <a:spcBef>
+                <a:spcPts val="2400"/>
+              </a:spcBef>
+              <a:spcAft>
+                <a:spcPts val="600"/>
+              </a:spcAft>
+              <a:buNone/>
+            </a:pPr>
+            <a:r>
+              <a:rPr lang="en-US" sz="2000" dirty="0"/>
+              <a:t>Top two or three things that you would like to get out of this class</a:t>
+            </a:r>
+          </a:p>
+          <a:p>
+            <a:pPr lvl="2">
+              <a:spcBef>
+                <a:spcPts val="0"/>
+              </a:spcBef>
+              <a:buFont typeface="Wingdings" panose="05000000000000000000" pitchFamily="2" charset="2"/>
+              <a:buChar char="§"/>
+            </a:pPr>
+            <a:r>
+              <a:rPr lang="en-US" b="1" dirty="0"/>
+              <a:t>help each of you be successful in this class </a:t>
+            </a:r>
+          </a:p>
+          <a:p>
+            <a:pPr lvl="2">
+              <a:spcBef>
+                <a:spcPts val="0"/>
+              </a:spcBef>
+              <a:buFont typeface="Wingdings" panose="05000000000000000000" pitchFamily="2" charset="2"/>
+              <a:buChar char="§"/>
+            </a:pPr>
+            <a:r>
+              <a:rPr lang="en-US" b="1" dirty="0"/>
+              <a:t>explore software development techniques together and motivate you to look deeper</a:t>
+            </a:r>
+          </a:p>
+          <a:p>
+            <a:pPr lvl="2">
+              <a:spcBef>
+                <a:spcPts val="0"/>
+              </a:spcBef>
+              <a:buFont typeface="Wingdings" panose="05000000000000000000" pitchFamily="2" charset="2"/>
+              <a:buChar char="§"/>
+            </a:pPr>
+            <a:r>
+              <a:rPr lang="en-US" b="1" dirty="0"/>
+              <a:t>and for us to find a little enjoyment and fun along the way* </a:t>
+            </a:r>
+          </a:p>
+          <a:p>
+            <a:pPr lvl="2">
+              <a:spcBef>
+                <a:spcPts val="0"/>
+              </a:spcBef>
+              <a:buFont typeface="Wingdings" panose="05000000000000000000" pitchFamily="2" charset="2"/>
+              <a:buChar char="§"/>
+            </a:pPr>
+            <a:r>
+              <a:rPr lang="en-US" b="1" dirty="0"/>
+              <a:t>… oh yes, and it would be wonderful if I could help you build something that made you proud during the semester</a:t>
+            </a:r>
+          </a:p>
+          <a:p>
+            <a:pPr marL="0" indent="0">
+              <a:spcBef>
+                <a:spcPts val="2400"/>
+              </a:spcBef>
+              <a:buNone/>
+            </a:pPr>
+            <a:r>
+              <a:rPr lang="en-US" sz="2000" dirty="0"/>
+              <a:t>Fun Fact:</a:t>
+            </a:r>
+          </a:p>
+          <a:p>
+            <a:pPr marL="0" indent="0">
+              <a:spcBef>
+                <a:spcPts val="600"/>
+              </a:spcBef>
+              <a:buNone/>
+            </a:pPr>
+            <a:r>
+              <a:rPr lang="en-US" sz="2000" dirty="0"/>
+              <a:t>	</a:t>
+            </a:r>
+            <a:r>
+              <a:rPr lang="en-US" sz="2000" b="1" dirty="0"/>
+              <a:t>At one point I had the very dubious “honor” or being the most traveled John Deere 	employee to India with just over 40 trips over 5-6 years</a:t>
+            </a:r>
+          </a:p>
+        </p:txBody>
+      </p:sp>
     </p:spTree>
     <p:extLst>
       <p:ext uri="{BB962C8B-B14F-4D97-AF65-F5344CB8AC3E}">
-        <p14:creationId xmlns:p14="http://schemas.microsoft.com/office/powerpoint/2010/main" val="140427662"/>
+        <p14:creationId xmlns:p14="http://schemas.microsoft.com/office/powerpoint/2010/main" val="824753410"/>
       </p:ext>
     </p:extLst>
   </p:cSld>
@@ -10005,10 +10421,10 @@
       </p:grpSpPr>
       <p:pic>
         <p:nvPicPr>
-          <p:cNvPr id="3" name="Picture 2">
-            <a:extLst>
-              <a:ext uri="{FF2B5EF4-FFF2-40B4-BE49-F238E27FC236}">
-                <a16:creationId xmlns:a16="http://schemas.microsoft.com/office/drawing/2014/main" id="{E970F75A-70D9-482B-A7E1-E45D86482C42}"/>
+          <p:cNvPr id="2" name="Picture 1">
+            <a:extLst>
+              <a:ext uri="{FF2B5EF4-FFF2-40B4-BE49-F238E27FC236}">
+                <a16:creationId xmlns:a16="http://schemas.microsoft.com/office/drawing/2014/main" id="{D584BE8E-E3A9-471F-A142-F9219FE1376B}"/>
               </a:ext>
             </a:extLst>
           </p:cNvPr>
@@ -10025,8 +10441,8 @@
         </p:blipFill>
         <p:spPr>
           <a:xfrm>
-            <a:off x="0" y="1463144"/>
-            <a:ext cx="12192000" cy="3931712"/>
+            <a:off x="0" y="1388918"/>
+            <a:ext cx="12192000" cy="4080164"/>
           </a:xfrm>
           <a:prstGeom prst="rect">
             <a:avLst/>
@@ -10123,6 +10539,228 @@
           <a:chExt cx="0" cy="0"/>
         </a:xfrm>
       </p:grpSpPr>
+      <p:sp>
+        <p:nvSpPr>
+          <p:cNvPr id="4" name="Title 1">
+            <a:extLst>
+              <a:ext uri="{FF2B5EF4-FFF2-40B4-BE49-F238E27FC236}">
+                <a16:creationId xmlns:a16="http://schemas.microsoft.com/office/drawing/2014/main" id="{BB378CBF-14ED-418D-866F-83F08A1394FB}"/>
+              </a:ext>
+            </a:extLst>
+          </p:cNvPr>
+          <p:cNvSpPr>
+            <a:spLocks noGrp="1"/>
+          </p:cNvSpPr>
+          <p:nvPr>
+            <p:ph type="title"/>
+          </p:nvPr>
+        </p:nvSpPr>
+        <p:spPr>
+          <a:xfrm>
+            <a:off x="838200" y="474626"/>
+            <a:ext cx="10515600" cy="757272"/>
+          </a:xfrm>
+        </p:spPr>
+        <p:txBody>
+          <a:bodyPr>
+            <a:normAutofit/>
+          </a:bodyPr>
+          <a:lstStyle/>
+          <a:p>
+            <a:r>
+              <a:rPr lang="en-US" sz="3600" dirty="0"/>
+              <a:t>Course Objectives</a:t>
+            </a:r>
+            <a:endParaRPr lang="en-US" sz="3600" b="1" i="1" u="sng" dirty="0"/>
+          </a:p>
+        </p:txBody>
+      </p:sp>
+      <p:sp>
+        <p:nvSpPr>
+          <p:cNvPr id="5" name="Content Placeholder 2">
+            <a:extLst>
+              <a:ext uri="{FF2B5EF4-FFF2-40B4-BE49-F238E27FC236}">
+                <a16:creationId xmlns:a16="http://schemas.microsoft.com/office/drawing/2014/main" id="{727BBDCE-1802-4E01-83C0-A3AA3610FD4D}"/>
+              </a:ext>
+            </a:extLst>
+          </p:cNvPr>
+          <p:cNvSpPr>
+            <a:spLocks noGrp="1"/>
+          </p:cNvSpPr>
+          <p:nvPr>
+            <p:ph idx="1"/>
+          </p:nvPr>
+        </p:nvSpPr>
+        <p:spPr>
+          <a:xfrm>
+            <a:off x="838200" y="1231898"/>
+            <a:ext cx="10718950" cy="5030679"/>
+          </a:xfrm>
+        </p:spPr>
+        <p:txBody>
+          <a:bodyPr>
+            <a:normAutofit lnSpcReduction="10000"/>
+          </a:bodyPr>
+          <a:lstStyle/>
+          <a:p>
+            <a:pPr marL="0" indent="0">
+              <a:buNone/>
+            </a:pPr>
+            <a:r>
+              <a:rPr lang="en-US" sz="2000" dirty="0"/>
+              <a:t>On the successful completion of this course we will be able to:</a:t>
+            </a:r>
+          </a:p>
+          <a:p>
+            <a:pPr marL="457200" indent="-457200">
+              <a:buFont typeface="+mj-lt"/>
+              <a:buAutoNum type="arabicPeriod"/>
+            </a:pPr>
+            <a:r>
+              <a:rPr lang="en-US" sz="2000" dirty="0"/>
+              <a:t>Understand the ideas of Distributed Computing &amp; the World Wide Web </a:t>
+            </a:r>
+          </a:p>
+          <a:p>
+            <a:pPr marL="457200" indent="-457200">
+              <a:buFont typeface="+mj-lt"/>
+              <a:buAutoNum type="arabicPeriod"/>
+            </a:pPr>
+            <a:r>
+              <a:rPr lang="en-US" sz="2000" dirty="0"/>
+              <a:t>Create web pages with HTML5 and CSS</a:t>
+            </a:r>
+          </a:p>
+          <a:p>
+            <a:pPr marL="457200" indent="-457200">
+              <a:buFont typeface="+mj-lt"/>
+              <a:buAutoNum type="arabicPeriod"/>
+            </a:pPr>
+            <a:r>
+              <a:rPr lang="en-US" sz="2000" dirty="0"/>
+              <a:t>Utilize a cloud based computing platform (Microsoft Azure) to host a basic website </a:t>
+            </a:r>
+          </a:p>
+          <a:p>
+            <a:pPr marL="457200" indent="-457200">
+              <a:buFont typeface="+mj-lt"/>
+              <a:buAutoNum type="arabicPeriod"/>
+            </a:pPr>
+            <a:r>
+              <a:rPr lang="en-US" sz="2000" dirty="0"/>
+              <a:t>Understand the best Web design practices</a:t>
+            </a:r>
+          </a:p>
+          <a:p>
+            <a:pPr marL="457200" indent="-457200">
+              <a:buFont typeface="+mj-lt"/>
+              <a:buAutoNum type="arabicPeriod"/>
+            </a:pPr>
+            <a:r>
+              <a:rPr lang="en-US" sz="2000" dirty="0"/>
+              <a:t>Create dynamic and interactive web sites using JavaScript</a:t>
+            </a:r>
+          </a:p>
+          <a:p>
+            <a:pPr marL="457200" indent="-457200">
+              <a:buFont typeface="+mj-lt"/>
+              <a:buAutoNum type="arabicPeriod"/>
+            </a:pPr>
+            <a:r>
+              <a:rPr lang="en-US" sz="2000" dirty="0"/>
+              <a:t>Understand XML and Web services</a:t>
+            </a:r>
+          </a:p>
+          <a:p>
+            <a:pPr marL="457200" indent="-457200">
+              <a:buFont typeface="+mj-lt"/>
+              <a:buAutoNum type="arabicPeriod"/>
+            </a:pPr>
+            <a:r>
+              <a:rPr lang="en-US" sz="2000" dirty="0"/>
+              <a:t>Understand basic database concepts and make simple SQL queries</a:t>
+            </a:r>
+          </a:p>
+          <a:p>
+            <a:pPr marL="457200" indent="-457200">
+              <a:buFont typeface="+mj-lt"/>
+              <a:buAutoNum type="arabicPeriod"/>
+            </a:pPr>
+            <a:r>
+              <a:rPr lang="en-US" sz="2000" dirty="0"/>
+              <a:t>Write PHP scripts to process forms and interact with databases</a:t>
+            </a:r>
+          </a:p>
+          <a:p>
+            <a:pPr marL="457200" indent="-457200">
+              <a:buFont typeface="+mj-lt"/>
+              <a:buAutoNum type="arabicPeriod"/>
+            </a:pPr>
+            <a:r>
+              <a:rPr lang="en-US" sz="2000" dirty="0"/>
+              <a:t>Understand the basics of the various software development lifecycle processes</a:t>
+            </a:r>
+          </a:p>
+          <a:p>
+            <a:pPr marL="457200" indent="-457200">
+              <a:buFont typeface="+mj-lt"/>
+              <a:buAutoNum type="arabicPeriod"/>
+            </a:pPr>
+            <a:r>
+              <a:rPr lang="en-US" sz="2000" dirty="0"/>
+              <a:t>Provide an overview of Perl, Java, and Ruby</a:t>
+            </a:r>
+          </a:p>
+          <a:p>
+            <a:pPr marL="457200" indent="-457200">
+              <a:buFont typeface="+mj-lt"/>
+              <a:buAutoNum type="arabicPeriod"/>
+            </a:pPr>
+            <a:r>
+              <a:rPr lang="en-US" sz="2000" dirty="0"/>
+              <a:t>Understand the Hadoop framework and MapReduce programs… or alternatively the Angular JS </a:t>
+            </a:r>
+            <a:r>
+              <a:rPr lang="en-US" sz="2000" dirty="0" err="1"/>
+              <a:t>JavaScriptJS</a:t>
+            </a:r>
+            <a:r>
+              <a:rPr lang="en-US" sz="2000" dirty="0"/>
+              <a:t> framework </a:t>
+            </a:r>
+          </a:p>
+        </p:txBody>
+      </p:sp>
+    </p:spTree>
+    <p:extLst>
+      <p:ext uri="{BB962C8B-B14F-4D97-AF65-F5344CB8AC3E}">
+        <p14:creationId xmlns:p14="http://schemas.microsoft.com/office/powerpoint/2010/main" val="4107340776"/>
+      </p:ext>
+    </p:extLst>
+  </p:cSld>
+  <p:clrMapOvr>
+    <a:masterClrMapping/>
+  </p:clrMapOvr>
+</p:sld>
+</file>
+
+<file path=ppt/slides/slide9.xml><?xml version="1.0" encoding="utf-8"?>
+<p:sld xmlns:a="http://schemas.openxmlformats.org/drawingml/2006/main" xmlns:r="http://schemas.openxmlformats.org/officeDocument/2006/relationships" xmlns:p="http://schemas.openxmlformats.org/presentationml/2006/main">
+  <p:cSld>
+    <p:spTree>
+      <p:nvGrpSpPr>
+        <p:cNvPr id="1" name=""/>
+        <p:cNvGrpSpPr/>
+        <p:nvPr/>
+      </p:nvGrpSpPr>
+      <p:grpSpPr>
+        <a:xfrm>
+          <a:off x="0" y="0"/>
+          <a:ext cx="0" cy="0"/>
+          <a:chOff x="0" y="0"/>
+          <a:chExt cx="0" cy="0"/>
+        </a:xfrm>
+      </p:grpSpPr>
       <p:pic>
         <p:nvPicPr>
           <p:cNvPr id="3" name="Picture 2">
@@ -10163,284 +10801,6 @@
   <p:clrMapOvr>
     <a:masterClrMapping/>
   </p:clrMapOvr>
-</p:sld>
-</file>
-
-<file path=ppt/slides/slide9.xml><?xml version="1.0" encoding="utf-8"?>
-<p:sld xmlns:a="http://schemas.openxmlformats.org/drawingml/2006/main" xmlns:r="http://schemas.openxmlformats.org/officeDocument/2006/relationships" xmlns:p="http://schemas.openxmlformats.org/presentationml/2006/main">
-  <p:cSld>
-    <p:spTree>
-      <p:nvGrpSpPr>
-        <p:cNvPr id="1" name=""/>
-        <p:cNvGrpSpPr/>
-        <p:nvPr/>
-      </p:nvGrpSpPr>
-      <p:grpSpPr>
-        <a:xfrm>
-          <a:off x="0" y="0"/>
-          <a:ext cx="0" cy="0"/>
-          <a:chOff x="0" y="0"/>
-          <a:chExt cx="0" cy="0"/>
-        </a:xfrm>
-      </p:grpSpPr>
-      <p:pic>
-        <p:nvPicPr>
-          <p:cNvPr id="2" name="Picture 1">
-            <a:extLst>
-              <a:ext uri="{FF2B5EF4-FFF2-40B4-BE49-F238E27FC236}">
-                <a16:creationId xmlns:a16="http://schemas.microsoft.com/office/drawing/2014/main" id="{976765CF-286A-428D-802A-96D23D5CF0C0}"/>
-              </a:ext>
-            </a:extLst>
-          </p:cNvPr>
-          <p:cNvPicPr>
-            <a:picLocks noChangeAspect="1"/>
-          </p:cNvPicPr>
-          <p:nvPr/>
-        </p:nvPicPr>
-        <p:blipFill>
-          <a:blip r:embed="rId2"/>
-          <a:stretch>
-            <a:fillRect/>
-          </a:stretch>
-        </p:blipFill>
-        <p:spPr>
-          <a:xfrm>
-            <a:off x="653012" y="251717"/>
-            <a:ext cx="10730754" cy="6318894"/>
-          </a:xfrm>
-          <a:prstGeom prst="rect">
-            <a:avLst/>
-          </a:prstGeom>
-        </p:spPr>
-      </p:pic>
-      <p:sp>
-        <p:nvSpPr>
-          <p:cNvPr id="3" name="Rectangle 2">
-            <a:extLst>
-              <a:ext uri="{FF2B5EF4-FFF2-40B4-BE49-F238E27FC236}">
-                <a16:creationId xmlns:a16="http://schemas.microsoft.com/office/drawing/2014/main" id="{5B5859CC-A5E9-477D-9E54-5D46E3807770}"/>
-              </a:ext>
-            </a:extLst>
-          </p:cNvPr>
-          <p:cNvSpPr/>
-          <p:nvPr/>
-        </p:nvSpPr>
-        <p:spPr>
-          <a:xfrm>
-            <a:off x="2402948" y="785009"/>
-            <a:ext cx="2369535" cy="310316"/>
-          </a:xfrm>
-          <a:prstGeom prst="rect">
-            <a:avLst/>
-          </a:prstGeom>
-          <a:noFill/>
-          <a:ln w="25400"/>
-        </p:spPr>
-        <p:style>
-          <a:lnRef idx="2">
-            <a:schemeClr val="accent1">
-              <a:shade val="50000"/>
-            </a:schemeClr>
-          </a:lnRef>
-          <a:fillRef idx="1">
-            <a:schemeClr val="accent1"/>
-          </a:fillRef>
-          <a:effectRef idx="0">
-            <a:schemeClr val="accent1"/>
-          </a:effectRef>
-          <a:fontRef idx="minor">
-            <a:schemeClr val="lt1"/>
-          </a:fontRef>
-        </p:style>
-        <p:txBody>
-          <a:bodyPr rtlCol="0" anchor="ctr"/>
-          <a:lstStyle/>
-          <a:p>
-            <a:pPr algn="ctr"/>
-            <a:endParaRPr lang="en-US"/>
-          </a:p>
-        </p:txBody>
-      </p:sp>
-      <p:sp>
-        <p:nvSpPr>
-          <p:cNvPr id="4" name="Rectangle 3">
-            <a:extLst>
-              <a:ext uri="{FF2B5EF4-FFF2-40B4-BE49-F238E27FC236}">
-                <a16:creationId xmlns:a16="http://schemas.microsoft.com/office/drawing/2014/main" id="{138EB192-F6A8-4961-8287-1FE91979FD59}"/>
-              </a:ext>
-            </a:extLst>
-          </p:cNvPr>
-          <p:cNvSpPr/>
-          <p:nvPr/>
-        </p:nvSpPr>
-        <p:spPr>
-          <a:xfrm>
-            <a:off x="1078616" y="2516827"/>
-            <a:ext cx="3283121" cy="310316"/>
-          </a:xfrm>
-          <a:prstGeom prst="rect">
-            <a:avLst/>
-          </a:prstGeom>
-          <a:noFill/>
-          <a:ln w="25400"/>
-        </p:spPr>
-        <p:style>
-          <a:lnRef idx="2">
-            <a:schemeClr val="accent1">
-              <a:shade val="50000"/>
-            </a:schemeClr>
-          </a:lnRef>
-          <a:fillRef idx="1">
-            <a:schemeClr val="accent1"/>
-          </a:fillRef>
-          <a:effectRef idx="0">
-            <a:schemeClr val="accent1"/>
-          </a:effectRef>
-          <a:fontRef idx="minor">
-            <a:schemeClr val="lt1"/>
-          </a:fontRef>
-        </p:style>
-        <p:txBody>
-          <a:bodyPr rtlCol="0" anchor="ctr"/>
-          <a:lstStyle/>
-          <a:p>
-            <a:pPr algn="ctr"/>
-            <a:endParaRPr lang="en-US"/>
-          </a:p>
-        </p:txBody>
-      </p:sp>
-    </p:spTree>
-    <p:extLst>
-      <p:ext uri="{BB962C8B-B14F-4D97-AF65-F5344CB8AC3E}">
-        <p14:creationId xmlns:p14="http://schemas.microsoft.com/office/powerpoint/2010/main" val="343145149"/>
-      </p:ext>
-    </p:extLst>
-  </p:cSld>
-  <p:clrMapOvr>
-    <a:masterClrMapping/>
-  </p:clrMapOvr>
-  <p:timing>
-    <p:tnLst>
-      <p:par>
-        <p:cTn id="1" dur="indefinite" restart="never" nodeType="tmRoot">
-          <p:childTnLst>
-            <p:seq concurrent="1" nextAc="seek">
-              <p:cTn id="2" dur="indefinite" nodeType="mainSeq">
-                <p:childTnLst>
-                  <p:par>
-                    <p:cTn id="3" fill="hold">
-                      <p:stCondLst>
-                        <p:cond delay="indefinite"/>
-                      </p:stCondLst>
-                      <p:childTnLst>
-                        <p:par>
-                          <p:cTn id="4" fill="hold">
-                            <p:stCondLst>
-                              <p:cond delay="0"/>
-                            </p:stCondLst>
-                            <p:childTnLst>
-                              <p:par>
-                                <p:cTn id="5" presetID="6" presetClass="entr" presetSubtype="16" fill="hold" grpId="0" nodeType="clickEffect">
-                                  <p:stCondLst>
-                                    <p:cond delay="0"/>
-                                  </p:stCondLst>
-                                  <p:childTnLst>
-                                    <p:set>
-                                      <p:cBhvr>
-                                        <p:cTn id="6" dur="1" fill="hold">
-                                          <p:stCondLst>
-                                            <p:cond delay="0"/>
-                                          </p:stCondLst>
-                                        </p:cTn>
-                                        <p:tgtEl>
-                                          <p:spTgt spid="3"/>
-                                        </p:tgtEl>
-                                        <p:attrNameLst>
-                                          <p:attrName>style.visibility</p:attrName>
-                                        </p:attrNameLst>
-                                      </p:cBhvr>
-                                      <p:to>
-                                        <p:strVal val="visible"/>
-                                      </p:to>
-                                    </p:set>
-                                    <p:animEffect transition="in" filter="circle(in)">
-                                      <p:cBhvr>
-                                        <p:cTn id="7" dur="2000"/>
-                                        <p:tgtEl>
-                                          <p:spTgt spid="3"/>
-                                        </p:tgtEl>
-                                      </p:cBhvr>
-                                    </p:animEffect>
-                                  </p:childTnLst>
-                                </p:cTn>
-                              </p:par>
-                              <p:par>
-                                <p:cTn id="8" presetID="6" presetClass="entr" presetSubtype="16" fill="hold" grpId="0" nodeType="withEffect">
-                                  <p:stCondLst>
-                                    <p:cond delay="0"/>
-                                  </p:stCondLst>
-                                  <p:childTnLst>
-                                    <p:set>
-                                      <p:cBhvr>
-                                        <p:cTn id="9" dur="1" fill="hold">
-                                          <p:stCondLst>
-                                            <p:cond delay="0"/>
-                                          </p:stCondLst>
-                                        </p:cTn>
-                                        <p:tgtEl>
-                                          <p:spTgt spid="4"/>
-                                        </p:tgtEl>
-                                        <p:attrNameLst>
-                                          <p:attrName>style.visibility</p:attrName>
-                                        </p:attrNameLst>
-                                      </p:cBhvr>
-                                      <p:to>
-                                        <p:strVal val="visible"/>
-                                      </p:to>
-                                    </p:set>
-                                    <p:animEffect transition="in" filter="circle(in)">
-                                      <p:cBhvr>
-                                        <p:cTn id="10" dur="2000"/>
-                                        <p:tgtEl>
-                                          <p:spTgt spid="4"/>
-                                        </p:tgtEl>
-                                      </p:cBhvr>
-                                    </p:animEffect>
-                                  </p:childTnLst>
-                                </p:cTn>
-                              </p:par>
-                            </p:childTnLst>
-                          </p:cTn>
-                        </p:par>
-                      </p:childTnLst>
-                    </p:cTn>
-                  </p:par>
-                </p:childTnLst>
-              </p:cTn>
-              <p:prevCondLst>
-                <p:cond evt="onPrev" delay="0">
-                  <p:tgtEl>
-                    <p:sldTgt/>
-                  </p:tgtEl>
-                </p:cond>
-              </p:prevCondLst>
-              <p:nextCondLst>
-                <p:cond evt="onNext" delay="0">
-                  <p:tgtEl>
-                    <p:sldTgt/>
-                  </p:tgtEl>
-                </p:cond>
-              </p:nextCondLst>
-            </p:seq>
-          </p:childTnLst>
-        </p:cTn>
-      </p:par>
-    </p:tnLst>
-    <p:bldLst>
-      <p:bldP spid="3" grpId="0" animBg="1"/>
-      <p:bldP spid="4" grpId="0" animBg="1"/>
-    </p:bldLst>
-  </p:timing>
 </p:sld>
 </file>
 
